--- a/Presentazione.pptx
+++ b/Presentazione.pptx
@@ -5,18 +5,23 @@
     <p:sldMasterId id="2147483672" r:id="rId1"/>
   </p:sldMasterIdLst>
   <p:notesMasterIdLst>
-    <p:notesMasterId r:id="rId8"/>
+    <p:notesMasterId r:id="rId13"/>
   </p:notesMasterIdLst>
   <p:handoutMasterIdLst>
-    <p:handoutMasterId r:id="rId9"/>
+    <p:handoutMasterId r:id="rId14"/>
   </p:handoutMasterIdLst>
   <p:sldIdLst>
-    <p:sldId id="257" r:id="rId2"/>
+    <p:sldId id="277" r:id="rId2"/>
     <p:sldId id="258" r:id="rId3"/>
-    <p:sldId id="267" r:id="rId4"/>
-    <p:sldId id="268" r:id="rId5"/>
-    <p:sldId id="269" r:id="rId6"/>
-    <p:sldId id="266" r:id="rId7"/>
+    <p:sldId id="271" r:id="rId4"/>
+    <p:sldId id="270" r:id="rId5"/>
+    <p:sldId id="267" r:id="rId6"/>
+    <p:sldId id="272" r:id="rId7"/>
+    <p:sldId id="268" r:id="rId8"/>
+    <p:sldId id="278" r:id="rId9"/>
+    <p:sldId id="275" r:id="rId10"/>
+    <p:sldId id="276" r:id="rId11"/>
+    <p:sldId id="266" r:id="rId12"/>
   </p:sldIdLst>
   <p:sldSz cx="12192000" cy="6858000"/>
   <p:notesSz cx="6858000" cy="9144000"/>
@@ -291,7 +296,7 @@
             <a:pPr rtl="0"/>
             <a:fld id="{84592796-7AA1-497B-9CE9-8E8966CB8CE2}" type="datetime1">
               <a:rPr lang="it-IT" smtClean="0"/>
-              <a:t>12/12/2020</a:t>
+              <a:t>23/12/2020</a:t>
             </a:fld>
             <a:endParaRPr lang="it-IT" dirty="0"/>
           </a:p>
@@ -461,7 +466,7 @@
             <a:fld id="{6A344CD3-F172-40A6-8CC2-7C1BDB50FCCC}" type="datetime1">
               <a:rPr lang="it-IT" smtClean="0"/>
               <a:pPr/>
-              <a:t>12/12/2020</a:t>
+              <a:t>23/12/2020</a:t>
             </a:fld>
             <a:endParaRPr lang="it-IT" dirty="0"/>
           </a:p>
@@ -799,7 +804,7 @@
             <a:pPr rtl="0"/>
             <a:fld id="{5FD34AC2-3728-4A8B-B58F-6888FAEC3D20}" type="slidenum">
               <a:rPr lang="it-IT" smtClean="0"/>
-              <a:t>1</a:t>
+              <a:t>2</a:t>
             </a:fld>
             <a:endParaRPr lang="it-IT" dirty="0"/>
           </a:p>
@@ -808,7 +813,93 @@
     </p:spTree>
     <p:extLst>
       <p:ext uri="{BB962C8B-B14F-4D97-AF65-F5344CB8AC3E}">
-        <p14:creationId xmlns:p14="http://schemas.microsoft.com/office/powerpoint/2010/main" val="122656539"/>
+        <p14:creationId xmlns:p14="http://schemas.microsoft.com/office/powerpoint/2010/main" val="261592967"/>
+      </p:ext>
+    </p:extLst>
+  </p:cSld>
+  <p:clrMapOvr>
+    <a:masterClrMapping/>
+  </p:clrMapOvr>
+</p:notes>
+</file>
+
+<file path=ppt/notesSlides/notesSlide10.xml><?xml version="1.0" encoding="utf-8"?>
+<p:notes xmlns:a="http://purl.oclc.org/ooxml/drawingml/main" xmlns:r="http://purl.oclc.org/ooxml/officeDocument/relationships" xmlns:p="http://purl.oclc.org/ooxml/presentationml/main">
+  <p:cSld>
+    <p:spTree>
+      <p:nvGrpSpPr>
+        <p:cNvPr id="1" name=""/>
+        <p:cNvGrpSpPr/>
+        <p:nvPr/>
+      </p:nvGrpSpPr>
+      <p:grpSpPr>
+        <a:xfrm>
+          <a:off x="0" y="0"/>
+          <a:ext cx="0" cy="0"/>
+          <a:chOff x="0" y="0"/>
+          <a:chExt cx="0" cy="0"/>
+        </a:xfrm>
+      </p:grpSpPr>
+      <p:sp>
+        <p:nvSpPr>
+          <p:cNvPr id="2" name="Segnaposto immagine diapositiva 1"/>
+          <p:cNvSpPr>
+            <a:spLocks noGrp="1" noRot="1" noChangeAspect="1"/>
+          </p:cNvSpPr>
+          <p:nvPr>
+            <p:ph type="sldImg"/>
+          </p:nvPr>
+        </p:nvSpPr>
+        <p:spPr/>
+      </p:sp>
+      <p:sp>
+        <p:nvSpPr>
+          <p:cNvPr id="3" name="Segnaposto note 2"/>
+          <p:cNvSpPr>
+            <a:spLocks noGrp="1"/>
+          </p:cNvSpPr>
+          <p:nvPr>
+            <p:ph type="body" idx="1"/>
+          </p:nvPr>
+        </p:nvSpPr>
+        <p:spPr/>
+        <p:txBody>
+          <a:bodyPr rtlCol="0"/>
+          <a:lstStyle/>
+          <a:p>
+            <a:pPr rtl="0"/>
+            <a:endParaRPr lang="it-IT" dirty="0"/>
+          </a:p>
+        </p:txBody>
+      </p:sp>
+      <p:sp>
+        <p:nvSpPr>
+          <p:cNvPr id="4" name="Segnaposto numero diapositiva 3"/>
+          <p:cNvSpPr>
+            <a:spLocks noGrp="1"/>
+          </p:cNvSpPr>
+          <p:nvPr>
+            <p:ph type="sldNum" sz="quarter" idx="10"/>
+          </p:nvPr>
+        </p:nvSpPr>
+        <p:spPr/>
+        <p:txBody>
+          <a:bodyPr rtlCol="0"/>
+          <a:lstStyle/>
+          <a:p>
+            <a:pPr rtl="0"/>
+            <a:fld id="{5FD34AC2-3728-4A8B-B58F-6888FAEC3D20}" type="slidenum">
+              <a:rPr lang="it-IT" smtClean="0"/>
+              <a:t>11</a:t>
+            </a:fld>
+            <a:endParaRPr lang="it-IT" dirty="0"/>
+          </a:p>
+        </p:txBody>
+      </p:sp>
+    </p:spTree>
+    <p:extLst>
+      <p:ext uri="{BB962C8B-B14F-4D97-AF65-F5344CB8AC3E}">
+        <p14:creationId xmlns:p14="http://schemas.microsoft.com/office/powerpoint/2010/main" val="2510620915"/>
       </p:ext>
     </p:extLst>
   </p:cSld>
@@ -885,7 +976,7 @@
             <a:pPr rtl="0"/>
             <a:fld id="{5FD34AC2-3728-4A8B-B58F-6888FAEC3D20}" type="slidenum">
               <a:rPr lang="it-IT" smtClean="0"/>
-              <a:t>2</a:t>
+              <a:t>3</a:t>
             </a:fld>
             <a:endParaRPr lang="it-IT" dirty="0"/>
           </a:p>
@@ -894,7 +985,7 @@
     </p:spTree>
     <p:extLst>
       <p:ext uri="{BB962C8B-B14F-4D97-AF65-F5344CB8AC3E}">
-        <p14:creationId xmlns:p14="http://schemas.microsoft.com/office/powerpoint/2010/main" val="261592967"/>
+        <p14:creationId xmlns:p14="http://schemas.microsoft.com/office/powerpoint/2010/main" val="744445000"/>
       </p:ext>
     </p:extLst>
   </p:cSld>
@@ -971,7 +1062,7 @@
             <a:pPr rtl="0"/>
             <a:fld id="{5FD34AC2-3728-4A8B-B58F-6888FAEC3D20}" type="slidenum">
               <a:rPr lang="it-IT" smtClean="0"/>
-              <a:t>3</a:t>
+              <a:t>4</a:t>
             </a:fld>
             <a:endParaRPr lang="it-IT" dirty="0"/>
           </a:p>
@@ -980,7 +1071,7 @@
     </p:spTree>
     <p:extLst>
       <p:ext uri="{BB962C8B-B14F-4D97-AF65-F5344CB8AC3E}">
-        <p14:creationId xmlns:p14="http://schemas.microsoft.com/office/powerpoint/2010/main" val="3994785033"/>
+        <p14:creationId xmlns:p14="http://schemas.microsoft.com/office/powerpoint/2010/main" val="3465603956"/>
       </p:ext>
     </p:extLst>
   </p:cSld>
@@ -1057,7 +1148,7 @@
             <a:pPr rtl="0"/>
             <a:fld id="{5FD34AC2-3728-4A8B-B58F-6888FAEC3D20}" type="slidenum">
               <a:rPr lang="it-IT" smtClean="0"/>
-              <a:t>4</a:t>
+              <a:t>5</a:t>
             </a:fld>
             <a:endParaRPr lang="it-IT" dirty="0"/>
           </a:p>
@@ -1066,7 +1157,7 @@
     </p:spTree>
     <p:extLst>
       <p:ext uri="{BB962C8B-B14F-4D97-AF65-F5344CB8AC3E}">
-        <p14:creationId xmlns:p14="http://schemas.microsoft.com/office/powerpoint/2010/main" val="1830475117"/>
+        <p14:creationId xmlns:p14="http://schemas.microsoft.com/office/powerpoint/2010/main" val="3994785033"/>
       </p:ext>
     </p:extLst>
   </p:cSld>
@@ -1143,7 +1234,7 @@
             <a:pPr rtl="0"/>
             <a:fld id="{5FD34AC2-3728-4A8B-B58F-6888FAEC3D20}" type="slidenum">
               <a:rPr lang="it-IT" smtClean="0"/>
-              <a:t>5</a:t>
+              <a:t>6</a:t>
             </a:fld>
             <a:endParaRPr lang="it-IT" dirty="0"/>
           </a:p>
@@ -1152,7 +1243,7 @@
     </p:spTree>
     <p:extLst>
       <p:ext uri="{BB962C8B-B14F-4D97-AF65-F5344CB8AC3E}">
-        <p14:creationId xmlns:p14="http://schemas.microsoft.com/office/powerpoint/2010/main" val="1290856149"/>
+        <p14:creationId xmlns:p14="http://schemas.microsoft.com/office/powerpoint/2010/main" val="2808614566"/>
       </p:ext>
     </p:extLst>
   </p:cSld>
@@ -1229,7 +1320,7 @@
             <a:pPr rtl="0"/>
             <a:fld id="{5FD34AC2-3728-4A8B-B58F-6888FAEC3D20}" type="slidenum">
               <a:rPr lang="it-IT" smtClean="0"/>
-              <a:t>6</a:t>
+              <a:t>7</a:t>
             </a:fld>
             <a:endParaRPr lang="it-IT" dirty="0"/>
           </a:p>
@@ -1238,7 +1329,265 @@
     </p:spTree>
     <p:extLst>
       <p:ext uri="{BB962C8B-B14F-4D97-AF65-F5344CB8AC3E}">
-        <p14:creationId xmlns:p14="http://schemas.microsoft.com/office/powerpoint/2010/main" val="2510620915"/>
+        <p14:creationId xmlns:p14="http://schemas.microsoft.com/office/powerpoint/2010/main" val="1830475117"/>
+      </p:ext>
+    </p:extLst>
+  </p:cSld>
+  <p:clrMapOvr>
+    <a:masterClrMapping/>
+  </p:clrMapOvr>
+</p:notes>
+</file>
+
+<file path=ppt/notesSlides/notesSlide7.xml><?xml version="1.0" encoding="utf-8"?>
+<p:notes xmlns:a="http://purl.oclc.org/ooxml/drawingml/main" xmlns:r="http://purl.oclc.org/ooxml/officeDocument/relationships" xmlns:p="http://purl.oclc.org/ooxml/presentationml/main">
+  <p:cSld>
+    <p:spTree>
+      <p:nvGrpSpPr>
+        <p:cNvPr id="1" name=""/>
+        <p:cNvGrpSpPr/>
+        <p:nvPr/>
+      </p:nvGrpSpPr>
+      <p:grpSpPr>
+        <a:xfrm>
+          <a:off x="0" y="0"/>
+          <a:ext cx="0" cy="0"/>
+          <a:chOff x="0" y="0"/>
+          <a:chExt cx="0" cy="0"/>
+        </a:xfrm>
+      </p:grpSpPr>
+      <p:sp>
+        <p:nvSpPr>
+          <p:cNvPr id="2" name="Segnaposto immagine diapositiva 1"/>
+          <p:cNvSpPr>
+            <a:spLocks noGrp="1" noRot="1" noChangeAspect="1"/>
+          </p:cNvSpPr>
+          <p:nvPr>
+            <p:ph type="sldImg"/>
+          </p:nvPr>
+        </p:nvSpPr>
+        <p:spPr/>
+      </p:sp>
+      <p:sp>
+        <p:nvSpPr>
+          <p:cNvPr id="3" name="Segnaposto note 2"/>
+          <p:cNvSpPr>
+            <a:spLocks noGrp="1"/>
+          </p:cNvSpPr>
+          <p:nvPr>
+            <p:ph type="body" idx="1"/>
+          </p:nvPr>
+        </p:nvSpPr>
+        <p:spPr/>
+        <p:txBody>
+          <a:bodyPr rtlCol="0"/>
+          <a:lstStyle/>
+          <a:p>
+            <a:pPr rtl="0"/>
+            <a:endParaRPr lang="it-IT" dirty="0"/>
+          </a:p>
+        </p:txBody>
+      </p:sp>
+      <p:sp>
+        <p:nvSpPr>
+          <p:cNvPr id="4" name="Segnaposto numero diapositiva 3"/>
+          <p:cNvSpPr>
+            <a:spLocks noGrp="1"/>
+          </p:cNvSpPr>
+          <p:nvPr>
+            <p:ph type="sldNum" sz="quarter" idx="10"/>
+          </p:nvPr>
+        </p:nvSpPr>
+        <p:spPr/>
+        <p:txBody>
+          <a:bodyPr rtlCol="0"/>
+          <a:lstStyle/>
+          <a:p>
+            <a:pPr rtl="0"/>
+            <a:fld id="{5FD34AC2-3728-4A8B-B58F-6888FAEC3D20}" type="slidenum">
+              <a:rPr lang="it-IT" smtClean="0"/>
+              <a:t>8</a:t>
+            </a:fld>
+            <a:endParaRPr lang="it-IT" dirty="0"/>
+          </a:p>
+        </p:txBody>
+      </p:sp>
+    </p:spTree>
+    <p:extLst>
+      <p:ext uri="{BB962C8B-B14F-4D97-AF65-F5344CB8AC3E}">
+        <p14:creationId xmlns:p14="http://schemas.microsoft.com/office/powerpoint/2010/main" val="3931968740"/>
+      </p:ext>
+    </p:extLst>
+  </p:cSld>
+  <p:clrMapOvr>
+    <a:masterClrMapping/>
+  </p:clrMapOvr>
+</p:notes>
+</file>
+
+<file path=ppt/notesSlides/notesSlide8.xml><?xml version="1.0" encoding="utf-8"?>
+<p:notes xmlns:a="http://purl.oclc.org/ooxml/drawingml/main" xmlns:r="http://purl.oclc.org/ooxml/officeDocument/relationships" xmlns:p="http://purl.oclc.org/ooxml/presentationml/main">
+  <p:cSld>
+    <p:spTree>
+      <p:nvGrpSpPr>
+        <p:cNvPr id="1" name=""/>
+        <p:cNvGrpSpPr/>
+        <p:nvPr/>
+      </p:nvGrpSpPr>
+      <p:grpSpPr>
+        <a:xfrm>
+          <a:off x="0" y="0"/>
+          <a:ext cx="0" cy="0"/>
+          <a:chOff x="0" y="0"/>
+          <a:chExt cx="0" cy="0"/>
+        </a:xfrm>
+      </p:grpSpPr>
+      <p:sp>
+        <p:nvSpPr>
+          <p:cNvPr id="2" name="Segnaposto immagine diapositiva 1"/>
+          <p:cNvSpPr>
+            <a:spLocks noGrp="1" noRot="1" noChangeAspect="1"/>
+          </p:cNvSpPr>
+          <p:nvPr>
+            <p:ph type="sldImg"/>
+          </p:nvPr>
+        </p:nvSpPr>
+        <p:spPr/>
+      </p:sp>
+      <p:sp>
+        <p:nvSpPr>
+          <p:cNvPr id="3" name="Segnaposto note 2"/>
+          <p:cNvSpPr>
+            <a:spLocks noGrp="1"/>
+          </p:cNvSpPr>
+          <p:nvPr>
+            <p:ph type="body" idx="1"/>
+          </p:nvPr>
+        </p:nvSpPr>
+        <p:spPr/>
+        <p:txBody>
+          <a:bodyPr rtlCol="0"/>
+          <a:lstStyle/>
+          <a:p>
+            <a:pPr rtl="0"/>
+            <a:endParaRPr lang="it-IT" dirty="0"/>
+          </a:p>
+        </p:txBody>
+      </p:sp>
+      <p:sp>
+        <p:nvSpPr>
+          <p:cNvPr id="4" name="Segnaposto numero diapositiva 3"/>
+          <p:cNvSpPr>
+            <a:spLocks noGrp="1"/>
+          </p:cNvSpPr>
+          <p:nvPr>
+            <p:ph type="sldNum" sz="quarter" idx="10"/>
+          </p:nvPr>
+        </p:nvSpPr>
+        <p:spPr/>
+        <p:txBody>
+          <a:bodyPr rtlCol="0"/>
+          <a:lstStyle/>
+          <a:p>
+            <a:pPr rtl="0"/>
+            <a:fld id="{5FD34AC2-3728-4A8B-B58F-6888FAEC3D20}" type="slidenum">
+              <a:rPr lang="it-IT" smtClean="0"/>
+              <a:t>9</a:t>
+            </a:fld>
+            <a:endParaRPr lang="it-IT" dirty="0"/>
+          </a:p>
+        </p:txBody>
+      </p:sp>
+    </p:spTree>
+    <p:extLst>
+      <p:ext uri="{BB962C8B-B14F-4D97-AF65-F5344CB8AC3E}">
+        <p14:creationId xmlns:p14="http://schemas.microsoft.com/office/powerpoint/2010/main" val="3311586035"/>
+      </p:ext>
+    </p:extLst>
+  </p:cSld>
+  <p:clrMapOvr>
+    <a:masterClrMapping/>
+  </p:clrMapOvr>
+</p:notes>
+</file>
+
+<file path=ppt/notesSlides/notesSlide9.xml><?xml version="1.0" encoding="utf-8"?>
+<p:notes xmlns:a="http://purl.oclc.org/ooxml/drawingml/main" xmlns:r="http://purl.oclc.org/ooxml/officeDocument/relationships" xmlns:p="http://purl.oclc.org/ooxml/presentationml/main">
+  <p:cSld>
+    <p:spTree>
+      <p:nvGrpSpPr>
+        <p:cNvPr id="1" name=""/>
+        <p:cNvGrpSpPr/>
+        <p:nvPr/>
+      </p:nvGrpSpPr>
+      <p:grpSpPr>
+        <a:xfrm>
+          <a:off x="0" y="0"/>
+          <a:ext cx="0" cy="0"/>
+          <a:chOff x="0" y="0"/>
+          <a:chExt cx="0" cy="0"/>
+        </a:xfrm>
+      </p:grpSpPr>
+      <p:sp>
+        <p:nvSpPr>
+          <p:cNvPr id="2" name="Segnaposto immagine diapositiva 1"/>
+          <p:cNvSpPr>
+            <a:spLocks noGrp="1" noRot="1" noChangeAspect="1"/>
+          </p:cNvSpPr>
+          <p:nvPr>
+            <p:ph type="sldImg"/>
+          </p:nvPr>
+        </p:nvSpPr>
+        <p:spPr/>
+      </p:sp>
+      <p:sp>
+        <p:nvSpPr>
+          <p:cNvPr id="3" name="Segnaposto note 2"/>
+          <p:cNvSpPr>
+            <a:spLocks noGrp="1"/>
+          </p:cNvSpPr>
+          <p:nvPr>
+            <p:ph type="body" idx="1"/>
+          </p:nvPr>
+        </p:nvSpPr>
+        <p:spPr/>
+        <p:txBody>
+          <a:bodyPr rtlCol="0"/>
+          <a:lstStyle/>
+          <a:p>
+            <a:pPr rtl="0"/>
+            <a:endParaRPr lang="it-IT" dirty="0"/>
+          </a:p>
+        </p:txBody>
+      </p:sp>
+      <p:sp>
+        <p:nvSpPr>
+          <p:cNvPr id="4" name="Segnaposto numero diapositiva 3"/>
+          <p:cNvSpPr>
+            <a:spLocks noGrp="1"/>
+          </p:cNvSpPr>
+          <p:nvPr>
+            <p:ph type="sldNum" sz="quarter" idx="10"/>
+          </p:nvPr>
+        </p:nvSpPr>
+        <p:spPr/>
+        <p:txBody>
+          <a:bodyPr rtlCol="0"/>
+          <a:lstStyle/>
+          <a:p>
+            <a:pPr rtl="0"/>
+            <a:fld id="{5FD34AC2-3728-4A8B-B58F-6888FAEC3D20}" type="slidenum">
+              <a:rPr lang="it-IT" smtClean="0"/>
+              <a:t>10</a:t>
+            </a:fld>
+            <a:endParaRPr lang="it-IT" dirty="0"/>
+          </a:p>
+        </p:txBody>
+      </p:sp>
+    </p:spTree>
+    <p:extLst>
+      <p:ext uri="{BB962C8B-B14F-4D97-AF65-F5344CB8AC3E}">
+        <p14:creationId xmlns:p14="http://schemas.microsoft.com/office/powerpoint/2010/main" val="1683468666"/>
       </p:ext>
     </p:extLst>
   </p:cSld>
@@ -1382,7 +1731,7 @@
             <a:pPr rtl="0"/>
             <a:fld id="{5C680C2F-E619-4E2B-98D8-9919014BF7EE}" type="datetime1">
               <a:rPr lang="it-IT" noProof="0" smtClean="0"/>
-              <a:t>12/12/2020</a:t>
+              <a:t>23/12/2020</a:t>
             </a:fld>
             <a:endParaRPr lang="it-IT" noProof="0" dirty="0"/>
           </a:p>
@@ -1644,7 +1993,7 @@
             <a:pPr rtl="0"/>
             <a:fld id="{85EE3EE3-319B-4C93-A32E-F64B3033E57B}" type="datetime1">
               <a:rPr lang="it-IT" noProof="0" smtClean="0"/>
-              <a:t>12/12/2020</a:t>
+              <a:t>23/12/2020</a:t>
             </a:fld>
             <a:endParaRPr lang="it-IT" noProof="0" dirty="0"/>
           </a:p>
@@ -1818,7 +2167,7 @@
             <a:pPr rtl="0"/>
             <a:fld id="{8D0A9B30-32BF-442A-B130-C9B2A356DE7F}" type="datetime1">
               <a:rPr lang="it-IT" noProof="0" smtClean="0"/>
-              <a:t>12/12/2020</a:t>
+              <a:t>23/12/2020</a:t>
             </a:fld>
             <a:endParaRPr lang="it-IT" noProof="0" dirty="0"/>
           </a:p>
@@ -2002,7 +2351,7 @@
             <a:pPr rtl="0"/>
             <a:fld id="{F154DC4D-4BAB-43AA-A021-28B909AD3CA4}" type="datetime1">
               <a:rPr lang="it-IT" noProof="0" smtClean="0"/>
-              <a:t>12/12/2020</a:t>
+              <a:t>23/12/2020</a:t>
             </a:fld>
             <a:endParaRPr lang="it-IT" noProof="0" dirty="0"/>
           </a:p>
@@ -2176,7 +2525,7 @@
             <a:pPr rtl="0"/>
             <a:fld id="{A7117723-EB04-4C04-9674-58A429F184E6}" type="datetime1">
               <a:rPr lang="it-IT" noProof="0" smtClean="0"/>
-              <a:t>12/12/2020</a:t>
+              <a:t>23/12/2020</a:t>
             </a:fld>
             <a:endParaRPr lang="it-IT" noProof="0" dirty="0"/>
           </a:p>
@@ -2426,7 +2775,7 @@
             <a:pPr rtl="0"/>
             <a:fld id="{84E15B3F-4F63-4854-B260-644CB8AE9876}" type="datetime1">
               <a:rPr lang="it-IT" noProof="0" smtClean="0"/>
-              <a:t>12/12/2020</a:t>
+              <a:t>23/12/2020</a:t>
             </a:fld>
             <a:endParaRPr lang="it-IT" noProof="0" dirty="0"/>
           </a:p>
@@ -2662,7 +3011,7 @@
             <a:pPr rtl="0"/>
             <a:fld id="{4AE3B526-7D30-4D51-AA76-7FA42F009E0B}" type="datetime1">
               <a:rPr lang="it-IT" noProof="0" smtClean="0"/>
-              <a:t>12/12/2020</a:t>
+              <a:t>23/12/2020</a:t>
             </a:fld>
             <a:endParaRPr lang="it-IT" noProof="0" dirty="0"/>
           </a:p>
@@ -3033,7 +3382,7 @@
             <a:pPr rtl="0"/>
             <a:fld id="{215E6CD4-BACA-4755-A5FF-8B9C7B679C7B}" type="datetime1">
               <a:rPr lang="it-IT" noProof="0" smtClean="0"/>
-              <a:t>12/12/2020</a:t>
+              <a:t>23/12/2020</a:t>
             </a:fld>
             <a:endParaRPr lang="it-IT" noProof="0" dirty="0"/>
           </a:p>
@@ -3155,7 +3504,7 @@
             <a:pPr rtl="0"/>
             <a:fld id="{392178BE-F2FA-4842-89B9-5AB859F2200B}" type="datetime1">
               <a:rPr lang="it-IT" noProof="0" smtClean="0"/>
-              <a:t>12/12/2020</a:t>
+              <a:t>23/12/2020</a:t>
             </a:fld>
             <a:endParaRPr lang="it-IT" noProof="0" dirty="0"/>
           </a:p>
@@ -3253,7 +3602,7 @@
             <a:pPr rtl="0"/>
             <a:fld id="{F54AF1B6-DBC2-4905-A758-9C352F9780A8}" type="datetime1">
               <a:rPr lang="it-IT" noProof="0" smtClean="0"/>
-              <a:t>12/12/2020</a:t>
+              <a:t>23/12/2020</a:t>
             </a:fld>
             <a:endParaRPr lang="it-IT" noProof="0" dirty="0"/>
           </a:p>
@@ -3560,7 +3909,7 @@
             <a:pPr rtl="0"/>
             <a:fld id="{B66C0DB5-C28F-411E-89D7-2AE292A03A8E}" type="datetime1">
               <a:rPr lang="it-IT" noProof="0" smtClean="0"/>
-              <a:t>12/12/2020</a:t>
+              <a:t>23/12/2020</a:t>
             </a:fld>
             <a:endParaRPr lang="it-IT" noProof="0" dirty="0"/>
           </a:p>
@@ -4259,7 +4608,7 @@
             <a:pPr rtl="0"/>
             <a:fld id="{BC465EC4-9DBE-48F2-9E50-89249D3E8290}" type="datetime1">
               <a:rPr lang="it-IT" noProof="0" smtClean="0"/>
-              <a:t>12/12/2020</a:t>
+              <a:t>23/12/2020</a:t>
             </a:fld>
             <a:endParaRPr lang="it-IT" noProof="0" dirty="0"/>
           </a:p>
@@ -4474,7 +4823,7 @@
             <a:pPr rtl="0"/>
             <a:fld id="{1D3C9841-ED8B-4C1E-8E02-F067D670649A}" type="datetime1">
               <a:rPr lang="it-IT" noProof="0" smtClean="0"/>
-              <a:t>12/12/2020</a:t>
+              <a:t>23/12/2020</a:t>
             </a:fld>
             <a:endParaRPr lang="it-IT" noProof="0" dirty="0"/>
           </a:p>
@@ -4869,6 +5218,17 @@
 <file path=ppt/slides/slide1.xml><?xml version="1.0" encoding="utf-8"?>
 <p:sld xmlns:a="http://purl.oclc.org/ooxml/drawingml/main" xmlns:r="http://purl.oclc.org/ooxml/officeDocument/relationships" xmlns:p="http://purl.oclc.org/ooxml/presentationml/main">
   <p:cSld>
+    <p:bg>
+      <p:bgPr>
+        <a:solidFill>
+          <a:schemeClr val="bg1">
+            <a:tint val="95%"/>
+            <a:satMod val="170%"/>
+          </a:schemeClr>
+        </a:solidFill>
+        <a:effectLst/>
+      </p:bgPr>
+    </p:bg>
     <p:spTree>
       <p:nvGrpSpPr>
         <p:cNvPr id="1" name=""/>
@@ -4883,116 +5243,37 @@
           <a:chExt cx="0" cy="0"/>
         </a:xfrm>
       </p:grpSpPr>
-      <p:pic>
-        <p:nvPicPr>
-          <p:cNvPr id="20" name="Immagine 19" descr="Immagine in bianco e nero di una città&#10;&#10;Descrizione generata automaticamente"/>
-          <p:cNvPicPr>
-            <a:picLocks noChangeAspect="1"/>
-          </p:cNvPicPr>
-          <p:nvPr/>
-        </p:nvPicPr>
-        <p:blipFill>
-          <a:blip r:embed="rId3" cstate="print">
+      <p:sp useBgFill="1">
+        <p:nvSpPr>
+          <p:cNvPr id="34" name="Rectangle 33">
             <a:extLst>
-              <a:ext uri="{28A0092B-C50C-407E-A947-70E740481C1C}">
-                <a14:useLocalDpi xmlns:a14="http://schemas.microsoft.com/office/drawing/2010/main" val="0"/>
+              <a:ext uri="{FF2B5EF4-FFF2-40B4-BE49-F238E27FC236}">
+                <a16:creationId xmlns:a16="http://schemas.microsoft.com/office/drawing/2014/main" id="{9B76D444-2756-434F-AE61-96D69830C13E}"/>
               </a:ext>
-            </a:extLst>
-          </a:blip>
-          <a:srcRect/>
-          <a:stretch>
-            <a:fillRect/>
-          </a:stretch>
-        </p:blipFill>
-        <p:spPr>
-          <a:xfrm>
-            <a:off x="0" y="0"/>
-            <a:ext cx="12192000" cy="6858000"/>
-          </a:xfrm>
-          <a:custGeom>
-            <a:avLst/>
-            <a:gdLst>
-              <a:gd name="connsiteX0" fmla="*/ 0 w 12192000"/>
-              <a:gd name="connsiteY0" fmla="*/ 0 h 6858000"/>
-              <a:gd name="connsiteX1" fmla="*/ 12192000 w 12192000"/>
-              <a:gd name="connsiteY1" fmla="*/ 0 h 6858000"/>
-              <a:gd name="connsiteX2" fmla="*/ 12192000 w 12192000"/>
-              <a:gd name="connsiteY2" fmla="*/ 6858000 h 6858000"/>
-              <a:gd name="connsiteX3" fmla="*/ 0 w 12192000"/>
-              <a:gd name="connsiteY3" fmla="*/ 6858000 h 6858000"/>
-            </a:gdLst>
-            <a:ahLst/>
-            <a:cxnLst>
-              <a:cxn ang="0">
-                <a:pos x="connsiteX0" y="connsiteY0"/>
-              </a:cxn>
-              <a:cxn ang="0">
-                <a:pos x="connsiteX1" y="connsiteY1"/>
-              </a:cxn>
-              <a:cxn ang="0">
-                <a:pos x="connsiteX2" y="connsiteY2"/>
-              </a:cxn>
-              <a:cxn ang="0">
-                <a:pos x="connsiteX3" y="connsiteY3"/>
-              </a:cxn>
-            </a:cxnLst>
-            <a:rect l="l" t="t" r="r" b="b"/>
-            <a:pathLst>
-              <a:path w="12192000" h="6858000">
-                <a:moveTo>
-                  <a:pt x="0" y="0"/>
-                </a:moveTo>
-                <a:lnTo>
-                  <a:pt x="12192000" y="0"/>
-                </a:lnTo>
-                <a:lnTo>
-                  <a:pt x="12192000" y="6858000"/>
-                </a:lnTo>
-                <a:lnTo>
-                  <a:pt x="0" y="6858000"/>
-                </a:lnTo>
-                <a:close/>
-              </a:path>
-            </a:pathLst>
-          </a:custGeom>
-        </p:spPr>
-      </p:pic>
-      <p:sp>
-        <p:nvSpPr>
-          <p:cNvPr id="19" name="Rettangolo 18">
-            <a:extLst>
               <a:ext uri="{C183D7F6-B498-43B3-948B-1728B52AA6E4}">
                 <adec:decorative xmlns:adec="http://schemas.microsoft.com/office/drawing/2017/decorative" val="1"/>
               </a:ext>
             </a:extLst>
           </p:cNvPr>
-          <p:cNvSpPr/>
-          <p:nvPr/>
+          <p:cNvSpPr>
+            <a:spLocks noGrp="1" noRot="1" noChangeAspect="1" noMove="1" noResize="1" noEditPoints="1" noAdjustHandles="1" noChangeArrowheads="1" noChangeShapeType="1" noTextEdit="1"/>
+          </p:cNvSpPr>
+          <p:nvPr>
+            <p:extLst>
+              <p:ext uri="{386F3935-93C4-4BCD-93E2-E3B085C9AB24}">
+                <p16:designElem xmlns:p16="http://schemas.microsoft.com/office/powerpoint/2015/main" val="1"/>
+              </p:ext>
+            </p:extLst>
+          </p:nvPr>
         </p:nvSpPr>
         <p:spPr>
           <a:xfrm>
             <a:off x="0" y="0"/>
-            <a:ext cx="12192000" cy="6858000"/>
+            <a:ext cx="12188952" cy="6858000"/>
           </a:xfrm>
           <a:prstGeom prst="rect">
             <a:avLst/>
           </a:prstGeom>
-          <a:gradFill flip="none" rotWithShape="0">
-            <a:gsLst>
-              <a:gs pos="100%">
-                <a:srgbClr val="1F2229">
-                  <a:alpha val="60%"/>
-                </a:srgbClr>
-              </a:gs>
-              <a:gs pos="20%">
-                <a:srgbClr val="1F2229">
-                  <a:alpha val="91.765%"/>
-                </a:srgbClr>
-              </a:gs>
-            </a:gsLst>
-            <a:lin ang="16200000" scaled="1"/>
-            <a:tileRect/>
-          </a:gradFill>
           <a:ln>
             <a:noFill/>
           </a:ln>
@@ -5017,130 +5298,48 @@
           <a:bodyPr rtlCol="0" anchor="ctr"/>
           <a:lstStyle/>
           <a:p>
-            <a:pPr algn="ctr" rtl="0"/>
-            <a:endParaRPr lang="it-IT" dirty="0"/>
-          </a:p>
-        </p:txBody>
-      </p:sp>
-      <p:sp>
-        <p:nvSpPr>
-          <p:cNvPr id="7" name="Casella di testo 6"/>
-          <p:cNvSpPr txBox="1"/>
-          <p:nvPr/>
-        </p:nvSpPr>
-        <p:spPr>
-          <a:xfrm>
-            <a:off x="3769241" y="3444079"/>
-            <a:ext cx="4653518" cy="677108"/>
-          </a:xfrm>
-          <a:prstGeom prst="rect">
-            <a:avLst/>
-          </a:prstGeom>
-          <a:noFill/>
-        </p:spPr>
-        <p:txBody>
-          <a:bodyPr wrap="none" lIns="0" tIns="0" rIns="0" bIns="0" rtlCol="0">
-            <a:spAutoFit/>
-          </a:bodyPr>
-          <a:lstStyle/>
-          <a:p>
-            <a:pPr algn="ctr" rtl="0">
-              <a:tabLst>
-                <a:tab pos="347663" algn="l"/>
-              </a:tabLst>
-            </a:pPr>
-            <a:r>
-              <a:rPr lang="it-IT" sz="4400" b="1" dirty="0">
-                <a:solidFill>
-                  <a:schemeClr val="bg1"/>
-                </a:solidFill>
-                <a:latin typeface="+mj-lt"/>
-              </a:rPr>
-              <a:t>BASATO SUI DATI </a:t>
-            </a:r>
-          </a:p>
-        </p:txBody>
-      </p:sp>
-      <p:sp>
-        <p:nvSpPr>
-          <p:cNvPr id="21" name="Casella di testo 20"/>
-          <p:cNvSpPr txBox="1"/>
-          <p:nvPr/>
-        </p:nvSpPr>
-        <p:spPr>
-          <a:xfrm>
-            <a:off x="4542851" y="4150067"/>
-            <a:ext cx="3106300" cy="307777"/>
-          </a:xfrm>
-          <a:prstGeom prst="rect">
-            <a:avLst/>
-          </a:prstGeom>
-          <a:noFill/>
-        </p:spPr>
-        <p:txBody>
-          <a:bodyPr wrap="none" lIns="0" tIns="0" rIns="0" bIns="0" rtlCol="0">
-            <a:spAutoFit/>
-          </a:bodyPr>
-          <a:lstStyle/>
-          <a:p>
-            <a:pPr algn="ctr" rtl="0">
-              <a:tabLst>
-                <a:tab pos="347663" algn="l"/>
-              </a:tabLst>
-            </a:pPr>
-            <a:r>
-              <a:rPr lang="it-IT" sz="2000" dirty="0">
-                <a:solidFill>
-                  <a:schemeClr val="bg1"/>
-                </a:solidFill>
-              </a:rPr>
-              <a:t>Presentazione di </a:t>
-            </a:r>
-            <a:r>
-              <a:rPr lang="it-IT" sz="2000" dirty="0" err="1">
-                <a:solidFill>
-                  <a:schemeClr val="bg1"/>
-                </a:solidFill>
-              </a:rPr>
-              <a:t>Power</a:t>
-            </a:r>
-            <a:r>
-              <a:rPr lang="it-IT" sz="2000" dirty="0">
-                <a:solidFill>
-                  <a:schemeClr val="bg1"/>
-                </a:solidFill>
-              </a:rPr>
-              <a:t> Point</a:t>
-            </a:r>
-          </a:p>
-        </p:txBody>
-      </p:sp>
-      <p:sp>
-        <p:nvSpPr>
-          <p:cNvPr id="2" name="Ovale 1">
+            <a:pPr algn="ctr"/>
+            <a:endParaRPr lang="en-US"/>
+          </a:p>
+        </p:txBody>
+      </p:sp>
+      <p:sp>
+        <p:nvSpPr>
+          <p:cNvPr id="36" name="Rectangle 35">
             <a:extLst>
+              <a:ext uri="{FF2B5EF4-FFF2-40B4-BE49-F238E27FC236}">
+                <a16:creationId xmlns:a16="http://schemas.microsoft.com/office/drawing/2014/main" id="{A27B6159-7734-4564-9E0F-C4BC43C36E52}"/>
+              </a:ext>
               <a:ext uri="{C183D7F6-B498-43B3-948B-1728B52AA6E4}">
                 <adec:decorative xmlns:adec="http://schemas.microsoft.com/office/drawing/2017/decorative" val="1"/>
               </a:ext>
             </a:extLst>
           </p:cNvPr>
-          <p:cNvSpPr/>
-          <p:nvPr/>
-        </p:nvSpPr>
-        <p:spPr>
+          <p:cNvSpPr>
+            <a:spLocks noGrp="1" noRot="1" noChangeAspect="1" noMove="1" noResize="1" noEditPoints="1" noAdjustHandles="1" noChangeArrowheads="1" noChangeShapeType="1" noTextEdit="1"/>
+          </p:cNvSpPr>
+          <p:nvPr>
+            <p:extLst>
+              <p:ext uri="{386F3935-93C4-4BCD-93E2-E3B085C9AB24}">
+                <p16:designElem xmlns:p16="http://schemas.microsoft.com/office/powerpoint/2015/main" val="1"/>
+              </p:ext>
+            </p:extLst>
+          </p:nvPr>
+        </p:nvSpPr>
+        <p:spPr bwMode="ltGray">
           <a:xfrm>
-            <a:off x="5657640" y="2479683"/>
-            <a:ext cx="876722" cy="876720"/>
+            <a:off x="321564" y="4782312"/>
+            <a:ext cx="11548872" cy="1755648"/>
           </a:xfrm>
-          <a:prstGeom prst="ellipse">
+          <a:prstGeom prst="rect">
             <a:avLst/>
           </a:prstGeom>
           <a:solidFill>
-            <a:schemeClr val="bg1">
-              <a:alpha val="40%"/>
+            <a:schemeClr val="tx1">
+              <a:alpha val="93%"/>
             </a:schemeClr>
           </a:solidFill>
-          <a:ln>
+          <a:ln w="127000" cap="sq" cmpd="thinThick">
             <a:noFill/>
           </a:ln>
         </p:spPr>
@@ -5164,148 +5363,552 @@
           <a:bodyPr rtlCol="0" anchor="ctr"/>
           <a:lstStyle/>
           <a:p>
-            <a:pPr algn="ctr" rtl="0"/>
-            <a:endParaRPr lang="it-IT" dirty="0">
+            <a:pPr marL="0" marR="0" lvl="0" indent="0" algn="ctr" defTabSz="914400" rtl="0" eaLnBrk="1" fontAlgn="auto" latinLnBrk="0" hangingPunct="1">
+              <a:lnSpc>
+                <a:spcPct val="100%"/>
+              </a:lnSpc>
+              <a:spcBef>
+                <a:spcPts val="0"/>
+              </a:spcBef>
+              <a:spcAft>
+                <a:spcPts val="0"/>
+              </a:spcAft>
+              <a:buClrTx/>
+              <a:buSzTx/>
+              <a:buFontTx/>
+              <a:buNone/>
+              <a:tabLst/>
+              <a:defRPr/>
+            </a:pPr>
+            <a:endParaRPr kumimoji="0" lang="en-US" sz="1800" b="0" i="0" u="none" strike="noStrike" kern="1200" cap="none" spc="0" normalizeH="0" baseline="0%" noProof="0">
+              <a:ln>
+                <a:noFill/>
+              </a:ln>
               <a:solidFill>
-                <a:schemeClr val="bg1"/>
+                <a:prstClr val="white"/>
               </a:solidFill>
+              <a:effectLst/>
+              <a:uLnTx/>
+              <a:uFillTx/>
+              <a:latin typeface="Calibri" panose="020F0502020204030204"/>
+              <a:ea typeface="+mn-ea"/>
+              <a:cs typeface="+mn-cs"/>
             </a:endParaRPr>
           </a:p>
         </p:txBody>
       </p:sp>
       <p:sp>
         <p:nvSpPr>
-          <p:cNvPr id="10" name="Ovale 9">
+          <p:cNvPr id="3" name="Titolo 1">
             <a:extLst>
+              <a:ext uri="{FF2B5EF4-FFF2-40B4-BE49-F238E27FC236}">
+                <a16:creationId xmlns:a16="http://schemas.microsoft.com/office/drawing/2014/main" id="{E7D52717-B835-4E85-8B80-EE01D7167B69}"/>
+              </a:ext>
+            </a:extLst>
+          </p:cNvPr>
+          <p:cNvSpPr txBox="1">
+            <a:spLocks/>
+          </p:cNvSpPr>
+          <p:nvPr/>
+        </p:nvSpPr>
+        <p:spPr>
+          <a:xfrm>
+            <a:off x="841248" y="5009083"/>
+            <a:ext cx="2889504" cy="1345997"/>
+          </a:xfrm>
+          <a:prstGeom prst="rect">
+            <a:avLst/>
+          </a:prstGeom>
+        </p:spPr>
+        <p:txBody>
+          <a:bodyPr vert="horz" lIns="91440" tIns="45720" rIns="91440" bIns="45720" rtlCol="0" anchor="ctr">
+            <a:normAutofit/>
+          </a:bodyPr>
+          <a:lstStyle>
+            <a:lvl1pPr algn="l" defTabSz="914400" rtl="0" eaLnBrk="1" latinLnBrk="0" hangingPunct="1">
+              <a:lnSpc>
+                <a:spcPct val="90%"/>
+              </a:lnSpc>
+              <a:spcBef>
+                <a:spcPct val="0%"/>
+              </a:spcBef>
+              <a:buNone/>
+              <a:defRPr sz="4400" kern="1200">
+                <a:solidFill>
+                  <a:schemeClr val="tx1"/>
+                </a:solidFill>
+                <a:latin typeface="+mj-lt"/>
+                <a:ea typeface="+mj-ea"/>
+                <a:cs typeface="+mj-cs"/>
+              </a:defRPr>
+            </a:lvl1pPr>
+          </a:lstStyle>
+          <a:p>
+            <a:pPr>
+              <a:spcAft>
+                <a:spcPts val="600"/>
+              </a:spcAft>
+            </a:pPr>
+            <a:r>
+              <a:rPr lang="en-US" sz="2600" b="1">
+                <a:solidFill>
+                  <a:schemeClr val="bg1"/>
+                </a:solidFill>
+              </a:rPr>
+              <a:t>Trolley Problem</a:t>
+            </a:r>
+          </a:p>
+        </p:txBody>
+      </p:sp>
+      <p:cxnSp>
+        <p:nvCxnSpPr>
+          <p:cNvPr id="38" name="Straight Connector 37">
+            <a:extLst>
+              <a:ext uri="{FF2B5EF4-FFF2-40B4-BE49-F238E27FC236}">
+                <a16:creationId xmlns:a16="http://schemas.microsoft.com/office/drawing/2014/main" id="{E2FFB46B-05BC-4950-B18A-9593FDAE6ED7}"/>
+              </a:ext>
               <a:ext uri="{C183D7F6-B498-43B3-948B-1728B52AA6E4}">
                 <adec:decorative xmlns:adec="http://schemas.microsoft.com/office/drawing/2017/decorative" val="1"/>
               </a:ext>
             </a:extLst>
           </p:cNvPr>
-          <p:cNvSpPr/>
-          <p:nvPr/>
-        </p:nvSpPr>
+          <p:cNvCxnSpPr>
+            <a:cxnSpLocks noGrp="1" noRot="1" noChangeAspect="1" noMove="1" noResize="1" noEditPoints="1" noAdjustHandles="1" noChangeArrowheads="1" noChangeShapeType="1"/>
+          </p:cNvCxnSpPr>
+          <p:nvPr>
+            <p:extLst>
+              <p:ext uri="{386F3935-93C4-4BCD-93E2-E3B085C9AB24}">
+                <p16:designElem xmlns:p16="http://schemas.microsoft.com/office/powerpoint/2015/main" val="1"/>
+              </p:ext>
+            </p:extLst>
+          </p:nvPr>
+        </p:nvCxnSpPr>
         <p:spPr>
-          <a:xfrm>
-            <a:off x="6043971" y="2565407"/>
-            <a:ext cx="705274" cy="705272"/>
+          <a:xfrm flipV="1">
+            <a:off x="4059936" y="5237979"/>
+            <a:ext cx="0" cy="914400"/>
           </a:xfrm>
-          <a:prstGeom prst="ellipse">
+          <a:prstGeom prst="line">
             <a:avLst/>
           </a:prstGeom>
-          <a:solidFill>
-            <a:srgbClr val="43CDD9">
-              <a:alpha val="30%"/>
-            </a:srgbClr>
-          </a:solidFill>
-          <a:ln>
-            <a:noFill/>
+          <a:ln w="19050">
+            <a:solidFill>
+              <a:schemeClr val="bg1">
+                <a:alpha val="80%"/>
+              </a:schemeClr>
+            </a:solidFill>
           </a:ln>
         </p:spPr>
         <p:style>
-          <a:lnRef idx="2">
-            <a:schemeClr val="accent1">
-              <a:shade val="50%"/>
-            </a:schemeClr>
+          <a:lnRef idx="1">
+            <a:schemeClr val="accent1"/>
           </a:lnRef>
-          <a:fillRef idx="1">
+          <a:fillRef idx="0">
             <a:schemeClr val="accent1"/>
           </a:fillRef>
           <a:effectRef idx="0">
             <a:schemeClr val="accent1"/>
           </a:effectRef>
           <a:fontRef idx="minor">
-            <a:schemeClr val="lt1"/>
+            <a:schemeClr val="tx1"/>
           </a:fontRef>
         </p:style>
-        <p:txBody>
-          <a:bodyPr rtlCol="0" anchor="ctr"/>
-          <a:lstStyle/>
-          <a:p>
-            <a:pPr algn="ctr" rtl="0"/>
-            <a:endParaRPr lang="it-IT" dirty="0"/>
-          </a:p>
-        </p:txBody>
-      </p:sp>
-      <p:sp>
-        <p:nvSpPr>
-          <p:cNvPr id="11" name="Ovale 10">
+      </p:cxnSp>
+      <p:sp>
+        <p:nvSpPr>
+          <p:cNvPr id="6" name="Sottotitolo 2">
             <a:extLst>
-              <a:ext uri="{C183D7F6-B498-43B3-948B-1728B52AA6E4}">
-                <adec:decorative xmlns:adec="http://schemas.microsoft.com/office/drawing/2017/decorative" val="1"/>
+              <a:ext uri="{FF2B5EF4-FFF2-40B4-BE49-F238E27FC236}">
+                <a16:creationId xmlns:a16="http://schemas.microsoft.com/office/drawing/2014/main" id="{28A0891F-3E0F-404A-863D-9C6D333C10FD}"/>
               </a:ext>
             </a:extLst>
           </p:cNvPr>
-          <p:cNvSpPr/>
+          <p:cNvSpPr txBox="1">
+            <a:spLocks/>
+          </p:cNvSpPr>
           <p:nvPr/>
         </p:nvSpPr>
         <p:spPr>
           <a:xfrm>
-            <a:off x="5442756" y="2565407"/>
-            <a:ext cx="705274" cy="705272"/>
+            <a:off x="4312158" y="5076210"/>
+            <a:ext cx="6976872" cy="1345997"/>
           </a:xfrm>
-          <a:prstGeom prst="ellipse">
+          <a:prstGeom prst="rect">
             <a:avLst/>
           </a:prstGeom>
-          <a:solidFill>
-            <a:srgbClr val="43CDD9">
-              <a:alpha val="30%"/>
-            </a:srgbClr>
-          </a:solidFill>
-          <a:ln>
-            <a:noFill/>
-          </a:ln>
         </p:spPr>
-        <p:style>
-          <a:lnRef idx="2">
-            <a:schemeClr val="accent1">
-              <a:shade val="50%"/>
-            </a:schemeClr>
-          </a:lnRef>
-          <a:fillRef idx="1">
-            <a:schemeClr val="accent1"/>
-          </a:fillRef>
-          <a:effectRef idx="0">
-            <a:schemeClr val="accent1"/>
-          </a:effectRef>
-          <a:fontRef idx="minor">
-            <a:schemeClr val="lt1"/>
-          </a:fontRef>
-        </p:style>
-        <p:txBody>
-          <a:bodyPr rtlCol="0" anchor="ctr"/>
-          <a:lstStyle/>
-          <a:p>
-            <a:pPr algn="ctr" rtl="0"/>
-            <a:endParaRPr lang="it-IT" dirty="0"/>
-          </a:p>
-        </p:txBody>
-      </p:sp>
-      <p:sp>
-        <p:nvSpPr>
-          <p:cNvPr id="3" name="Titolo 2" hidden="1">
+        <p:txBody>
+          <a:bodyPr vert="horz" lIns="91440" tIns="45720" rIns="91440" bIns="45720" rtlCol="0" anchor="ctr">
+            <a:normAutofit/>
+          </a:bodyPr>
+          <a:lstStyle>
+            <a:lvl1pPr marL="228600" indent="-228600" algn="l" defTabSz="914400" rtl="0" eaLnBrk="1" latinLnBrk="0" hangingPunct="1">
+              <a:lnSpc>
+                <a:spcPct val="90%"/>
+              </a:lnSpc>
+              <a:spcBef>
+                <a:spcPts val="1000"/>
+              </a:spcBef>
+              <a:buFont typeface="Arial" panose="020B0604020202020204" pitchFamily="34" charset="0"/>
+              <a:buChar char="•"/>
+              <a:defRPr sz="2800" kern="1200">
+                <a:solidFill>
+                  <a:schemeClr val="tx1"/>
+                </a:solidFill>
+                <a:latin typeface="+mn-lt"/>
+                <a:ea typeface="+mn-ea"/>
+                <a:cs typeface="+mn-cs"/>
+              </a:defRPr>
+            </a:lvl1pPr>
+            <a:lvl2pPr marL="685800" indent="-228600" algn="l" defTabSz="914400" rtl="0" eaLnBrk="1" latinLnBrk="0" hangingPunct="1">
+              <a:lnSpc>
+                <a:spcPct val="90%"/>
+              </a:lnSpc>
+              <a:spcBef>
+                <a:spcPts val="500"/>
+              </a:spcBef>
+              <a:buFont typeface="Arial" panose="020B0604020202020204" pitchFamily="34" charset="0"/>
+              <a:buChar char="•"/>
+              <a:defRPr sz="2400" kern="1200">
+                <a:solidFill>
+                  <a:schemeClr val="tx1"/>
+                </a:solidFill>
+                <a:latin typeface="+mn-lt"/>
+                <a:ea typeface="+mn-ea"/>
+                <a:cs typeface="+mn-cs"/>
+              </a:defRPr>
+            </a:lvl2pPr>
+            <a:lvl3pPr marL="1143000" indent="-228600" algn="l" defTabSz="914400" rtl="0" eaLnBrk="1" latinLnBrk="0" hangingPunct="1">
+              <a:lnSpc>
+                <a:spcPct val="90%"/>
+              </a:lnSpc>
+              <a:spcBef>
+                <a:spcPts val="500"/>
+              </a:spcBef>
+              <a:buFont typeface="Arial" panose="020B0604020202020204" pitchFamily="34" charset="0"/>
+              <a:buChar char="•"/>
+              <a:defRPr sz="2000" kern="1200">
+                <a:solidFill>
+                  <a:schemeClr val="tx1"/>
+                </a:solidFill>
+                <a:latin typeface="+mn-lt"/>
+                <a:ea typeface="+mn-ea"/>
+                <a:cs typeface="+mn-cs"/>
+              </a:defRPr>
+            </a:lvl3pPr>
+            <a:lvl4pPr marL="1600200" indent="-228600" algn="l" defTabSz="914400" rtl="0" eaLnBrk="1" latinLnBrk="0" hangingPunct="1">
+              <a:lnSpc>
+                <a:spcPct val="90%"/>
+              </a:lnSpc>
+              <a:spcBef>
+                <a:spcPts val="500"/>
+              </a:spcBef>
+              <a:buFont typeface="Arial" panose="020B0604020202020204" pitchFamily="34" charset="0"/>
+              <a:buChar char="•"/>
+              <a:defRPr sz="1800" kern="1200">
+                <a:solidFill>
+                  <a:schemeClr val="tx1"/>
+                </a:solidFill>
+                <a:latin typeface="+mn-lt"/>
+                <a:ea typeface="+mn-ea"/>
+                <a:cs typeface="+mn-cs"/>
+              </a:defRPr>
+            </a:lvl4pPr>
+            <a:lvl5pPr marL="2057400" indent="-228600" algn="l" defTabSz="914400" rtl="0" eaLnBrk="1" latinLnBrk="0" hangingPunct="1">
+              <a:lnSpc>
+                <a:spcPct val="90%"/>
+              </a:lnSpc>
+              <a:spcBef>
+                <a:spcPts val="500"/>
+              </a:spcBef>
+              <a:buFont typeface="Arial" panose="020B0604020202020204" pitchFamily="34" charset="0"/>
+              <a:buChar char="•"/>
+              <a:defRPr sz="1800" kern="1200">
+                <a:solidFill>
+                  <a:schemeClr val="tx1"/>
+                </a:solidFill>
+                <a:latin typeface="+mn-lt"/>
+                <a:ea typeface="+mn-ea"/>
+                <a:cs typeface="+mn-cs"/>
+              </a:defRPr>
+            </a:lvl5pPr>
+            <a:lvl6pPr marL="2514600" indent="-228600" algn="l" defTabSz="914400" rtl="0" eaLnBrk="1" latinLnBrk="0" hangingPunct="1">
+              <a:lnSpc>
+                <a:spcPct val="90%"/>
+              </a:lnSpc>
+              <a:spcBef>
+                <a:spcPts val="500"/>
+              </a:spcBef>
+              <a:buFont typeface="Arial" panose="020B0604020202020204" pitchFamily="34" charset="0"/>
+              <a:buChar char="•"/>
+              <a:defRPr sz="1800" kern="1200">
+                <a:solidFill>
+                  <a:schemeClr val="tx1"/>
+                </a:solidFill>
+                <a:latin typeface="+mn-lt"/>
+                <a:ea typeface="+mn-ea"/>
+                <a:cs typeface="+mn-cs"/>
+              </a:defRPr>
+            </a:lvl6pPr>
+            <a:lvl7pPr marL="2971800" indent="-228600" algn="l" defTabSz="914400" rtl="0" eaLnBrk="1" latinLnBrk="0" hangingPunct="1">
+              <a:lnSpc>
+                <a:spcPct val="90%"/>
+              </a:lnSpc>
+              <a:spcBef>
+                <a:spcPts val="500"/>
+              </a:spcBef>
+              <a:buFont typeface="Arial" panose="020B0604020202020204" pitchFamily="34" charset="0"/>
+              <a:buChar char="•"/>
+              <a:defRPr sz="1800" kern="1200">
+                <a:solidFill>
+                  <a:schemeClr val="tx1"/>
+                </a:solidFill>
+                <a:latin typeface="+mn-lt"/>
+                <a:ea typeface="+mn-ea"/>
+                <a:cs typeface="+mn-cs"/>
+              </a:defRPr>
+            </a:lvl7pPr>
+            <a:lvl8pPr marL="3429000" indent="-228600" algn="l" defTabSz="914400" rtl="0" eaLnBrk="1" latinLnBrk="0" hangingPunct="1">
+              <a:lnSpc>
+                <a:spcPct val="90%"/>
+              </a:lnSpc>
+              <a:spcBef>
+                <a:spcPts val="500"/>
+              </a:spcBef>
+              <a:buFont typeface="Arial" panose="020B0604020202020204" pitchFamily="34" charset="0"/>
+              <a:buChar char="•"/>
+              <a:defRPr sz="1800" kern="1200">
+                <a:solidFill>
+                  <a:schemeClr val="tx1"/>
+                </a:solidFill>
+                <a:latin typeface="+mn-lt"/>
+                <a:ea typeface="+mn-ea"/>
+                <a:cs typeface="+mn-cs"/>
+              </a:defRPr>
+            </a:lvl8pPr>
+            <a:lvl9pPr marL="3886200" indent="-228600" algn="l" defTabSz="914400" rtl="0" eaLnBrk="1" latinLnBrk="0" hangingPunct="1">
+              <a:lnSpc>
+                <a:spcPct val="90%"/>
+              </a:lnSpc>
+              <a:spcBef>
+                <a:spcPts val="500"/>
+              </a:spcBef>
+              <a:buFont typeface="Arial" panose="020B0604020202020204" pitchFamily="34" charset="0"/>
+              <a:buChar char="•"/>
+              <a:defRPr sz="1800" kern="1200">
+                <a:solidFill>
+                  <a:schemeClr val="tx1"/>
+                </a:solidFill>
+                <a:latin typeface="+mn-lt"/>
+                <a:ea typeface="+mn-ea"/>
+                <a:cs typeface="+mn-cs"/>
+              </a:defRPr>
+            </a:lvl9pPr>
+          </a:lstStyle>
+          <a:p>
+            <a:pPr marL="0" indent="0">
+              <a:buNone/>
+            </a:pPr>
+            <a:r>
+              <a:rPr lang="en-US" sz="1700" b="1" dirty="0" err="1">
+                <a:solidFill>
+                  <a:schemeClr val="bg1"/>
+                </a:solidFill>
+                <a:latin typeface="Calibri" panose="020F0502020204030204" pitchFamily="34" charset="0"/>
+                <a:cs typeface="Calibri" panose="020F0502020204030204" pitchFamily="34" charset="0"/>
+              </a:rPr>
+              <a:t>Studenti</a:t>
+            </a:r>
+            <a:r>
+              <a:rPr lang="en-US" sz="1700" b="1" dirty="0">
+                <a:solidFill>
+                  <a:schemeClr val="bg1"/>
+                </a:solidFill>
+                <a:latin typeface="Calibri" panose="020F0502020204030204" pitchFamily="34" charset="0"/>
+                <a:cs typeface="Calibri" panose="020F0502020204030204" pitchFamily="34" charset="0"/>
+              </a:rPr>
+              <a:t>: Andrea Chinetti, Samuel de </a:t>
+            </a:r>
+            <a:r>
+              <a:rPr lang="en-US" sz="1700" b="1" dirty="0" err="1">
+                <a:solidFill>
+                  <a:schemeClr val="bg1"/>
+                </a:solidFill>
+                <a:latin typeface="Calibri" panose="020F0502020204030204" pitchFamily="34" charset="0"/>
+                <a:cs typeface="Calibri" panose="020F0502020204030204" pitchFamily="34" charset="0"/>
+              </a:rPr>
+              <a:t>Babo</a:t>
+            </a:r>
+            <a:r>
+              <a:rPr lang="en-US" sz="1700" b="1" dirty="0">
+                <a:solidFill>
+                  <a:schemeClr val="bg1"/>
+                </a:solidFill>
+                <a:latin typeface="Calibri" panose="020F0502020204030204" pitchFamily="34" charset="0"/>
+                <a:cs typeface="Calibri" panose="020F0502020204030204" pitchFamily="34" charset="0"/>
+              </a:rPr>
+              <a:t> Martins</a:t>
+            </a:r>
+          </a:p>
+          <a:p>
+            <a:pPr marL="0" indent="0">
+              <a:buNone/>
+            </a:pPr>
+            <a:r>
+              <a:rPr lang="en-US" sz="1700" b="1" dirty="0" err="1">
+                <a:solidFill>
+                  <a:schemeClr val="bg1"/>
+                </a:solidFill>
+                <a:latin typeface="Calibri" panose="020F0502020204030204" pitchFamily="34" charset="0"/>
+                <a:cs typeface="Calibri" panose="020F0502020204030204" pitchFamily="34" charset="0"/>
+              </a:rPr>
+              <a:t>Docenti</a:t>
+            </a:r>
+            <a:r>
+              <a:rPr lang="en-US" sz="1700" b="1" dirty="0">
+                <a:solidFill>
+                  <a:schemeClr val="bg1"/>
+                </a:solidFill>
+                <a:latin typeface="Calibri" panose="020F0502020204030204" pitchFamily="34" charset="0"/>
+                <a:cs typeface="Calibri" panose="020F0502020204030204" pitchFamily="34" charset="0"/>
+              </a:rPr>
+              <a:t> di </a:t>
+            </a:r>
+            <a:r>
+              <a:rPr lang="en-US" sz="1700" b="1" dirty="0" err="1">
+                <a:solidFill>
+                  <a:schemeClr val="bg1"/>
+                </a:solidFill>
+                <a:latin typeface="Calibri" panose="020F0502020204030204" pitchFamily="34" charset="0"/>
+                <a:cs typeface="Calibri" panose="020F0502020204030204" pitchFamily="34" charset="0"/>
+              </a:rPr>
+              <a:t>riferimento</a:t>
+            </a:r>
+            <a:r>
+              <a:rPr lang="en-US" sz="1700" b="1" dirty="0">
+                <a:solidFill>
+                  <a:schemeClr val="bg1"/>
+                </a:solidFill>
+                <a:latin typeface="Calibri" panose="020F0502020204030204" pitchFamily="34" charset="0"/>
+                <a:cs typeface="Calibri" panose="020F0502020204030204" pitchFamily="34" charset="0"/>
+              </a:rPr>
+              <a:t>: Loris </a:t>
+            </a:r>
+            <a:r>
+              <a:rPr lang="en-US" sz="1700" b="1" dirty="0" err="1">
+                <a:solidFill>
+                  <a:schemeClr val="bg1"/>
+                </a:solidFill>
+                <a:latin typeface="Calibri" panose="020F0502020204030204" pitchFamily="34" charset="0"/>
+                <a:cs typeface="Calibri" panose="020F0502020204030204" pitchFamily="34" charset="0"/>
+              </a:rPr>
+              <a:t>Cannelli</a:t>
+            </a:r>
+            <a:r>
+              <a:rPr lang="en-US" sz="1700" b="1" dirty="0">
+                <a:solidFill>
+                  <a:schemeClr val="bg1"/>
+                </a:solidFill>
+                <a:latin typeface="Calibri" panose="020F0502020204030204" pitchFamily="34" charset="0"/>
+                <a:cs typeface="Calibri" panose="020F0502020204030204" pitchFamily="34" charset="0"/>
+              </a:rPr>
+              <a:t>, Alessandro Giusti</a:t>
+            </a:r>
+          </a:p>
+          <a:p>
+            <a:pPr marL="0"/>
+            <a:endParaRPr lang="en-US" sz="1700" dirty="0">
+              <a:solidFill>
+                <a:schemeClr val="bg1"/>
+              </a:solidFill>
+            </a:endParaRPr>
+          </a:p>
+        </p:txBody>
+      </p:sp>
+      <p:pic>
+        <p:nvPicPr>
+          <p:cNvPr id="31" name="Picture 8" descr="The Trolley Problem: Would You Kill One Person To Save ...">
             <a:extLst>
               <a:ext uri="{FF2B5EF4-FFF2-40B4-BE49-F238E27FC236}">
-                <a16:creationId xmlns:a16="http://schemas.microsoft.com/office/drawing/2014/main" id="{80AA5C56-EC57-4914-8118-68854697E0F3}"/>
+                <a16:creationId xmlns:a16="http://schemas.microsoft.com/office/drawing/2014/main" id="{AF67AC7F-5203-4E27-BB04-D54BE46B430F}"/>
               </a:ext>
             </a:extLst>
           </p:cNvPr>
-          <p:cNvSpPr>
-            <a:spLocks noGrp="1"/>
-          </p:cNvSpPr>
-          <p:nvPr>
-            <p:ph type="title"/>
-          </p:nvPr>
-        </p:nvSpPr>
-        <p:spPr/>
-        <p:txBody>
-          <a:bodyPr rtlCol="0"/>
-          <a:lstStyle/>
-          <a:p>
-            <a:pPr rtl="0"/>
-            <a:r>
-              <a:rPr lang="it-IT" dirty="0"/>
-              <a:t>Diapositiva 1</a:t>
+          <p:cNvPicPr>
+            <a:picLocks noChangeAspect="1" noChangeArrowheads="1"/>
+          </p:cNvPicPr>
+          <p:nvPr/>
+        </p:nvPicPr>
+        <p:blipFill>
+          <a:blip r:embed="rId2">
+            <a:extLst>
+              <a:ext uri="{28A0092B-C50C-407E-A947-70E740481C1C}">
+                <a14:useLocalDpi xmlns:a14="http://schemas.microsoft.com/office/drawing/2010/main" val="0"/>
+              </a:ext>
+            </a:extLst>
+          </a:blip>
+          <a:srcRect/>
+          <a:stretch>
+            <a:fillRect/>
+          </a:stretch>
+        </p:blipFill>
+        <p:spPr bwMode="auto">
+          <a:xfrm>
+            <a:off x="893825" y="183399"/>
+            <a:ext cx="10401301" cy="4507230"/>
+          </a:xfrm>
+          <a:prstGeom prst="rect">
+            <a:avLst/>
+          </a:prstGeom>
+          <a:noFill/>
+          <a:extLst>
+            <a:ext uri="{909E8E84-426E-40DD-AFC4-6F175D3DCCD1}">
+              <a14:hiddenFill xmlns:a14="http://schemas.microsoft.com/office/drawing/2010/main">
+                <a:solidFill>
+                  <a:srgbClr val="FFFFFF"/>
+                </a:solidFill>
+              </a14:hiddenFill>
+            </a:ext>
+          </a:extLst>
+        </p:spPr>
+      </p:pic>
+      <p:sp>
+        <p:nvSpPr>
+          <p:cNvPr id="17" name="CasellaDiTesto 16">
+            <a:extLst>
+              <a:ext uri="{FF2B5EF4-FFF2-40B4-BE49-F238E27FC236}">
+                <a16:creationId xmlns:a16="http://schemas.microsoft.com/office/drawing/2014/main" id="{29AE6CBC-F374-4427-AFE8-98A55FD83309}"/>
+              </a:ext>
+            </a:extLst>
+          </p:cNvPr>
+          <p:cNvSpPr txBox="1"/>
+          <p:nvPr/>
+        </p:nvSpPr>
+        <p:spPr>
+          <a:xfrm>
+            <a:off x="9765437" y="5930283"/>
+            <a:ext cx="1970834" cy="369332"/>
+          </a:xfrm>
+          <a:prstGeom prst="rect">
+            <a:avLst/>
+          </a:prstGeom>
+          <a:noFill/>
+        </p:spPr>
+        <p:txBody>
+          <a:bodyPr wrap="square" rtlCol="0">
+            <a:spAutoFit/>
+          </a:bodyPr>
+          <a:lstStyle/>
+          <a:p>
+            <a:r>
+              <a:rPr lang="it-IT" dirty="0">
+                <a:solidFill>
+                  <a:schemeClr val="bg1"/>
+                </a:solidFill>
+                <a:latin typeface="Calibri" panose="020F0502020204030204" pitchFamily="34" charset="0"/>
+                <a:cs typeface="Calibri" panose="020F0502020204030204" pitchFamily="34" charset="0"/>
+              </a:rPr>
+              <a:t>Data: 23/12/2020</a:t>
             </a:r>
           </a:p>
         </p:txBody>
@@ -5313,17 +5916,17 @@
     </p:spTree>
     <p:extLst>
       <p:ext uri="{BB962C8B-B14F-4D97-AF65-F5344CB8AC3E}">
-        <p14:creationId xmlns:p14="http://schemas.microsoft.com/office/powerpoint/2010/main" val="735082890"/>
+        <p14:creationId xmlns:p14="http://schemas.microsoft.com/office/powerpoint/2010/main" val="3451474812"/>
       </p:ext>
     </p:extLst>
   </p:cSld>
   <p:clrMapOvr>
-    <a:masterClrMapping/>
+    <a:overrideClrMapping bg1="dk1" tx1="lt1" bg2="dk2" tx2="lt2" accent1="accent1" accent2="accent2" accent3="accent3" accent4="accent4" accent5="accent5" accent6="accent6" hlink="hlink" folHlink="folHlink"/>
   </p:clrMapOvr>
 </p:sld>
 </file>
 
-<file path=ppt/slides/slide2.xml><?xml version="1.0" encoding="utf-8"?>
+<file path=ppt/slides/slide10.xml><?xml version="1.0" encoding="utf-8"?>
 <p:sld xmlns:a="http://purl.oclc.org/ooxml/drawingml/main" xmlns:r="http://purl.oclc.org/ooxml/officeDocument/relationships" xmlns:p="http://purl.oclc.org/ooxml/presentationml/main">
   <p:cSld>
     <p:spTree>
@@ -5348,8 +5951,8 @@
         </p:nvSpPr>
         <p:spPr>
           <a:xfrm>
-            <a:off x="4750283" y="165381"/>
-            <a:ext cx="2691442" cy="492443"/>
+            <a:off x="521619" y="165381"/>
+            <a:ext cx="11148886" cy="492443"/>
           </a:xfrm>
           <a:prstGeom prst="rect">
             <a:avLst/>
@@ -5374,7 +5977,7 @@
                 </a:solidFill>
                 <a:latin typeface="+mj-lt"/>
               </a:rPr>
-              <a:t>Studio iniziale</a:t>
+              <a:t>Relazione tra intervento e world Index of moral Freedom</a:t>
             </a:r>
           </a:p>
         </p:txBody>
@@ -5567,7 +6170,7 @@
                   <a:schemeClr val="bg1"/>
                 </a:solidFill>
               </a:rPr>
-              <a:t>2</a:t>
+              <a:t>8</a:t>
             </a:r>
           </a:p>
         </p:txBody>
@@ -5601,40 +6204,105 @@
           </a:p>
         </p:txBody>
       </p:sp>
+      <p:sp>
+        <p:nvSpPr>
+          <p:cNvPr id="12" name="CasellaDiTesto 11">
+            <a:extLst>
+              <a:ext uri="{FF2B5EF4-FFF2-40B4-BE49-F238E27FC236}">
+                <a16:creationId xmlns:a16="http://schemas.microsoft.com/office/drawing/2014/main" id="{7C8A6937-B9BE-40C3-AD02-84CE346E8A10}"/>
+              </a:ext>
+            </a:extLst>
+          </p:cNvPr>
+          <p:cNvSpPr txBox="1"/>
+          <p:nvPr/>
+        </p:nvSpPr>
+        <p:spPr>
+          <a:xfrm>
+            <a:off x="3015448" y="5574268"/>
+            <a:ext cx="6161103" cy="369332"/>
+          </a:xfrm>
+          <a:prstGeom prst="rect">
+            <a:avLst/>
+          </a:prstGeom>
+          <a:noFill/>
+        </p:spPr>
+        <p:txBody>
+          <a:bodyPr wrap="square" rtlCol="0">
+            <a:spAutoFit/>
+          </a:bodyPr>
+          <a:lstStyle/>
+          <a:p>
+            <a:r>
+              <a:rPr lang="it-IT" dirty="0">
+                <a:latin typeface="Arial" panose="020B0604020202020204" pitchFamily="34" charset="0"/>
+                <a:cs typeface="Arial" panose="020B0604020202020204" pitchFamily="34" charset="0"/>
+              </a:rPr>
+              <a:t>Coefficiente di correlazione lineare: </a:t>
+            </a:r>
+            <a:r>
+              <a:rPr lang="it-IT" b="0" i="0" dirty="0">
+                <a:effectLst/>
+                <a:latin typeface="Arial" panose="020B0604020202020204" pitchFamily="34" charset="0"/>
+                <a:cs typeface="Arial" panose="020B0604020202020204" pitchFamily="34" charset="0"/>
+              </a:rPr>
+              <a:t>0.650</a:t>
+            </a:r>
+            <a:endParaRPr lang="it-IT" dirty="0">
+              <a:latin typeface="Arial" panose="020B0604020202020204" pitchFamily="34" charset="0"/>
+              <a:cs typeface="Arial" panose="020B0604020202020204" pitchFamily="34" charset="0"/>
+            </a:endParaRPr>
+          </a:p>
+        </p:txBody>
+      </p:sp>
       <p:pic>
         <p:nvPicPr>
-          <p:cNvPr id="4" name="Immagine 3">
+          <p:cNvPr id="4098" name="Picture 2">
             <a:extLst>
               <a:ext uri="{FF2B5EF4-FFF2-40B4-BE49-F238E27FC236}">
-                <a16:creationId xmlns:a16="http://schemas.microsoft.com/office/drawing/2014/main" id="{38904B29-82FF-4519-941D-88F3EB0337D2}"/>
+                <a16:creationId xmlns:a16="http://schemas.microsoft.com/office/drawing/2014/main" id="{320622C4-8885-46BE-9752-D43590CAF541}"/>
               </a:ext>
             </a:extLst>
           </p:cNvPr>
           <p:cNvPicPr>
-            <a:picLocks noChangeAspect="1"/>
+            <a:picLocks noChangeAspect="1" noChangeArrowheads="1"/>
           </p:cNvPicPr>
           <p:nvPr/>
         </p:nvPicPr>
-        <p:blipFill>
-          <a:blip r:embed="rId3"/>
-          <a:stretch>
-            <a:fillRect/>
-          </a:stretch>
+        <p:blipFill rotWithShape="1">
+          <a:blip r:embed="rId3">
+            <a:extLst>
+              <a:ext uri="{28A0092B-C50C-407E-A947-70E740481C1C}">
+                <a14:useLocalDpi xmlns:a14="http://schemas.microsoft.com/office/drawing/2010/main" val="0"/>
+              </a:ext>
+            </a:extLst>
+          </a:blip>
+          <a:srcRect t="16.395%"/>
+          <a:stretch/>
         </p:blipFill>
-        <p:spPr>
+        <p:spPr bwMode="auto">
           <a:xfrm>
-            <a:off x="810728" y="905524"/>
-            <a:ext cx="10570544" cy="4755070"/>
+            <a:off x="2254928" y="1202763"/>
+            <a:ext cx="8133610" cy="4371505"/>
           </a:xfrm>
           <a:prstGeom prst="rect">
             <a:avLst/>
           </a:prstGeom>
+          <a:noFill/>
+          <a:extLst>
+            <a:ext uri="{909E8E84-426E-40DD-AFC4-6F175D3DCCD1}">
+              <a14:hiddenFill xmlns:a14="http://schemas.microsoft.com/office/drawing/2010/main">
+                <a:solidFill>
+                  <a:srgbClr val="FFFFFF"/>
+                </a:solidFill>
+              </a14:hiddenFill>
+            </a:ext>
+          </a:extLst>
         </p:spPr>
       </p:pic>
     </p:spTree>
     <p:extLst>
       <p:ext uri="{BB962C8B-B14F-4D97-AF65-F5344CB8AC3E}">
-        <p14:creationId xmlns:p14="http://schemas.microsoft.com/office/powerpoint/2010/main" val="3041316037"/>
+        <p14:creationId xmlns:p14="http://schemas.microsoft.com/office/powerpoint/2010/main" val="1720562023"/>
       </p:ext>
     </p:extLst>
   </p:cSld>
@@ -5644,7 +6312,227 @@
 </p:sld>
 </file>
 
-<file path=ppt/slides/slide3.xml><?xml version="1.0" encoding="utf-8"?>
+<file path=ppt/slides/slide11.xml><?xml version="1.0" encoding="utf-8"?>
+<p:sld xmlns:a="http://purl.oclc.org/ooxml/drawingml/main" xmlns:r="http://purl.oclc.org/ooxml/officeDocument/relationships" xmlns:p="http://purl.oclc.org/ooxml/presentationml/main">
+  <p:cSld>
+    <p:bg>
+      <p:bgPr>
+        <a:solidFill>
+          <a:schemeClr val="bg1"/>
+        </a:solidFill>
+        <a:effectLst/>
+      </p:bgPr>
+    </p:bg>
+    <p:spTree>
+      <p:nvGrpSpPr>
+        <p:cNvPr id="1" name=""/>
+        <p:cNvGrpSpPr/>
+        <p:nvPr/>
+      </p:nvGrpSpPr>
+      <p:grpSpPr>
+        <a:xfrm>
+          <a:off x="0" y="0"/>
+          <a:ext cx="0" cy="0"/>
+          <a:chOff x="0" y="0"/>
+          <a:chExt cx="0" cy="0"/>
+        </a:xfrm>
+      </p:grpSpPr>
+      <p:sp useBgFill="1">
+        <p:nvSpPr>
+          <p:cNvPr id="80" name="Rectangle 79">
+            <a:extLst>
+              <a:ext uri="{FF2B5EF4-FFF2-40B4-BE49-F238E27FC236}">
+                <a16:creationId xmlns:a16="http://schemas.microsoft.com/office/drawing/2014/main" id="{53F29798-D584-4792-9B62-3F5F5C36D619}"/>
+              </a:ext>
+              <a:ext uri="{C183D7F6-B498-43B3-948B-1728B52AA6E4}">
+                <adec:decorative xmlns:adec="http://schemas.microsoft.com/office/drawing/2017/decorative" val="1"/>
+              </a:ext>
+            </a:extLst>
+          </p:cNvPr>
+          <p:cNvSpPr>
+            <a:spLocks noGrp="1" noRot="1" noChangeAspect="1" noMove="1" noResize="1" noEditPoints="1" noAdjustHandles="1" noChangeArrowheads="1" noChangeShapeType="1" noTextEdit="1"/>
+          </p:cNvSpPr>
+          <p:nvPr>
+            <p:extLst>
+              <p:ext uri="{386F3935-93C4-4BCD-93E2-E3B085C9AB24}">
+                <p16:designElem xmlns:p16="http://schemas.microsoft.com/office/powerpoint/2015/main" val="1"/>
+              </p:ext>
+            </p:extLst>
+          </p:nvPr>
+        </p:nvSpPr>
+        <p:spPr>
+          <a:xfrm>
+            <a:off x="0" y="0"/>
+            <a:ext cx="12188952" cy="6858000"/>
+          </a:xfrm>
+          <a:prstGeom prst="rect">
+            <a:avLst/>
+          </a:prstGeom>
+          <a:ln>
+            <a:noFill/>
+          </a:ln>
+        </p:spPr>
+        <p:style>
+          <a:lnRef idx="2">
+            <a:schemeClr val="accent1">
+              <a:shade val="50%"/>
+            </a:schemeClr>
+          </a:lnRef>
+          <a:fillRef idx="1">
+            <a:schemeClr val="accent1"/>
+          </a:fillRef>
+          <a:effectRef idx="0">
+            <a:schemeClr val="accent1"/>
+          </a:effectRef>
+          <a:fontRef idx="minor">
+            <a:schemeClr val="lt1"/>
+          </a:fontRef>
+        </p:style>
+        <p:txBody>
+          <a:bodyPr rtlCol="0" anchor="ctr"/>
+          <a:lstStyle/>
+          <a:p>
+            <a:pPr algn="ctr"/>
+            <a:endParaRPr lang="en-US"/>
+          </a:p>
+        </p:txBody>
+      </p:sp>
+      <p:sp>
+        <p:nvSpPr>
+          <p:cNvPr id="13" name="Casella di testo 12"/>
+          <p:cNvSpPr txBox="1"/>
+          <p:nvPr/>
+        </p:nvSpPr>
+        <p:spPr>
+          <a:xfrm>
+            <a:off x="838200" y="562271"/>
+            <a:ext cx="10515600" cy="1128417"/>
+          </a:xfrm>
+          <a:prstGeom prst="rect">
+            <a:avLst/>
+          </a:prstGeom>
+        </p:spPr>
+        <p:txBody>
+          <a:bodyPr vert="horz" lIns="91440" tIns="45720" rIns="91440" bIns="45720" rtlCol="0" anchor="ctr">
+            <a:normAutofit/>
+          </a:bodyPr>
+          <a:lstStyle/>
+          <a:p>
+            <a:pPr>
+              <a:lnSpc>
+                <a:spcPct val="90%"/>
+              </a:lnSpc>
+              <a:spcBef>
+                <a:spcPct val="0%"/>
+              </a:spcBef>
+              <a:spcAft>
+                <a:spcPts val="600"/>
+              </a:spcAft>
+              <a:tabLst>
+                <a:tab pos="347663" algn="l"/>
+              </a:tabLst>
+            </a:pPr>
+            <a:r>
+              <a:rPr lang="en-US" sz="5200" b="1">
+                <a:latin typeface="+mj-lt"/>
+                <a:ea typeface="+mj-ea"/>
+                <a:cs typeface="+mj-cs"/>
+              </a:rPr>
+              <a:t>GRAZIE</a:t>
+            </a:r>
+          </a:p>
+        </p:txBody>
+      </p:sp>
+      <p:sp>
+        <p:nvSpPr>
+          <p:cNvPr id="2" name="Titolo 1" hidden="1">
+            <a:extLst>
+              <a:ext uri="{FF2B5EF4-FFF2-40B4-BE49-F238E27FC236}">
+                <a16:creationId xmlns:a16="http://schemas.microsoft.com/office/drawing/2014/main" id="{10E603A3-B905-4FE4-AF3D-7ABD07598BAD}"/>
+              </a:ext>
+            </a:extLst>
+          </p:cNvPr>
+          <p:cNvSpPr>
+            <a:spLocks noGrp="1"/>
+          </p:cNvSpPr>
+          <p:nvPr>
+            <p:ph type="title"/>
+          </p:nvPr>
+        </p:nvSpPr>
+        <p:spPr/>
+        <p:txBody>
+          <a:bodyPr rtlCol="0"/>
+          <a:lstStyle/>
+          <a:p>
+            <a:pPr rtl="0"/>
+            <a:r>
+              <a:rPr lang="it-IT" dirty="0"/>
+              <a:t>Diapositiva 11</a:t>
+            </a:r>
+          </a:p>
+        </p:txBody>
+      </p:sp>
+      <p:pic>
+        <p:nvPicPr>
+          <p:cNvPr id="2056" name="Picture 8" descr="The Trolley Problem: Would You Kill One Person To Save ...">
+            <a:extLst>
+              <a:ext uri="{FF2B5EF4-FFF2-40B4-BE49-F238E27FC236}">
+                <a16:creationId xmlns:a16="http://schemas.microsoft.com/office/drawing/2014/main" id="{3A61B536-F681-46F9-8A24-B9A731801352}"/>
+              </a:ext>
+            </a:extLst>
+          </p:cNvPr>
+          <p:cNvPicPr>
+            <a:picLocks noChangeAspect="1" noChangeArrowheads="1"/>
+          </p:cNvPicPr>
+          <p:nvPr/>
+        </p:nvPicPr>
+        <p:blipFill>
+          <a:blip r:embed="rId3">
+            <a:extLst>
+              <a:ext uri="{28A0092B-C50C-407E-A947-70E740481C1C}">
+                <a14:useLocalDpi xmlns:a14="http://schemas.microsoft.com/office/drawing/2010/main" val="0"/>
+              </a:ext>
+            </a:extLst>
+          </a:blip>
+          <a:srcRect/>
+          <a:stretch>
+            <a:fillRect/>
+          </a:stretch>
+        </p:blipFill>
+        <p:spPr bwMode="auto">
+          <a:xfrm>
+            <a:off x="695324" y="1690688"/>
+            <a:ext cx="10401301" cy="4507230"/>
+          </a:xfrm>
+          <a:prstGeom prst="rect">
+            <a:avLst/>
+          </a:prstGeom>
+          <a:noFill/>
+          <a:extLst>
+            <a:ext uri="{909E8E84-426E-40DD-AFC4-6F175D3DCCD1}">
+              <a14:hiddenFill xmlns:a14="http://schemas.microsoft.com/office/drawing/2010/main">
+                <a:solidFill>
+                  <a:srgbClr val="FFFFFF"/>
+                </a:solidFill>
+              </a14:hiddenFill>
+            </a:ext>
+          </a:extLst>
+        </p:spPr>
+      </p:pic>
+    </p:spTree>
+    <p:extLst>
+      <p:ext uri="{BB962C8B-B14F-4D97-AF65-F5344CB8AC3E}">
+        <p14:creationId xmlns:p14="http://schemas.microsoft.com/office/powerpoint/2010/main" val="3345628227"/>
+      </p:ext>
+    </p:extLst>
+  </p:cSld>
+  <p:clrMapOvr>
+    <a:masterClrMapping/>
+  </p:clrMapOvr>
+</p:sld>
+</file>
+
+<file path=ppt/slides/slide2.xml><?xml version="1.0" encoding="utf-8"?>
 <p:sld xmlns:a="http://purl.oclc.org/ooxml/drawingml/main" xmlns:r="http://purl.oclc.org/ooxml/officeDocument/relationships" xmlns:p="http://purl.oclc.org/ooxml/presentationml/main">
   <p:cSld>
     <p:spTree>
@@ -5669,8 +6557,8 @@
         </p:nvSpPr>
         <p:spPr>
           <a:xfrm>
-            <a:off x="4535485" y="165381"/>
-            <a:ext cx="3121047" cy="492443"/>
+            <a:off x="4564338" y="165381"/>
+            <a:ext cx="3063339" cy="492443"/>
           </a:xfrm>
           <a:prstGeom prst="rect">
             <a:avLst/>
@@ -5695,8 +6583,23 @@
                 </a:solidFill>
                 <a:latin typeface="+mj-lt"/>
               </a:rPr>
-              <a:t>Dati interessanti</a:t>
-            </a:r>
+              <a:t>Trolley </a:t>
+            </a:r>
+            <a:r>
+              <a:rPr lang="it-IT" sz="3200" b="1" dirty="0" err="1">
+                <a:solidFill>
+                  <a:srgbClr val="30353F"/>
+                </a:solidFill>
+                <a:latin typeface="+mj-lt"/>
+              </a:rPr>
+              <a:t>problem</a:t>
+            </a:r>
+            <a:endParaRPr lang="it-IT" sz="3200" b="1" dirty="0">
+              <a:solidFill>
+                <a:srgbClr val="30353F"/>
+              </a:solidFill>
+              <a:latin typeface="+mj-lt"/>
+            </a:endParaRPr>
           </a:p>
         </p:txBody>
       </p:sp>
@@ -5888,7 +6791,7 @@
                   <a:schemeClr val="bg1"/>
                 </a:solidFill>
               </a:rPr>
-              <a:t>3</a:t>
+              <a:t>2</a:t>
             </a:r>
           </a:p>
         </p:txBody>
@@ -5906,7 +6809,7 @@
             <a:spLocks noGrp="1"/>
           </p:cNvSpPr>
           <p:nvPr>
-            <p:ph type="title"/>
+            <p:ph type="ctrTitle"/>
           </p:nvPr>
         </p:nvSpPr>
         <p:spPr/>
@@ -5924,39 +6827,10 @@
       </p:sp>
       <p:pic>
         <p:nvPicPr>
-          <p:cNvPr id="4" name="Immagine 3">
+          <p:cNvPr id="10" name="Immagine 9">
             <a:extLst>
               <a:ext uri="{FF2B5EF4-FFF2-40B4-BE49-F238E27FC236}">
-                <a16:creationId xmlns:a16="http://schemas.microsoft.com/office/drawing/2014/main" id="{38904B29-82FF-4519-941D-88F3EB0337D2}"/>
-              </a:ext>
-            </a:extLst>
-          </p:cNvPr>
-          <p:cNvPicPr>
-            <a:picLocks noChangeAspect="1"/>
-          </p:cNvPicPr>
-          <p:nvPr/>
-        </p:nvPicPr>
-        <p:blipFill rotWithShape="1">
-          <a:blip r:embed="rId3"/>
-          <a:srcRect l="54.395%" r="29.816%" b="8.906%"/>
-          <a:stretch/>
-        </p:blipFill>
-        <p:spPr>
-          <a:xfrm>
-            <a:off x="1589102" y="1131364"/>
-            <a:ext cx="1589104" cy="4124217"/>
-          </a:xfrm>
-          <a:prstGeom prst="rect">
-            <a:avLst/>
-          </a:prstGeom>
-        </p:spPr>
-      </p:pic>
-      <p:pic>
-        <p:nvPicPr>
-          <p:cNvPr id="7" name="Immagine 6">
-            <a:extLst>
-              <a:ext uri="{FF2B5EF4-FFF2-40B4-BE49-F238E27FC236}">
-                <a16:creationId xmlns:a16="http://schemas.microsoft.com/office/drawing/2014/main" id="{348CBD97-02E0-49EC-B7F8-9694D9387D83}"/>
+                <a16:creationId xmlns:a16="http://schemas.microsoft.com/office/drawing/2014/main" id="{CD99FBE0-5981-4655-87DE-9F47C7BB9E2E}"/>
               </a:ext>
             </a:extLst>
           </p:cNvPr>
@@ -5966,45 +6840,15 @@
           <p:nvPr/>
         </p:nvPicPr>
         <p:blipFill>
-          <a:blip r:embed="rId4"/>
+          <a:blip r:embed="rId3"/>
           <a:stretch>
             <a:fillRect/>
           </a:stretch>
         </p:blipFill>
         <p:spPr>
           <a:xfrm>
-            <a:off x="3797384" y="3721102"/>
-            <a:ext cx="6264706" cy="3067855"/>
-          </a:xfrm>
-          <a:prstGeom prst="rect">
-            <a:avLst/>
-          </a:prstGeom>
-        </p:spPr>
-      </p:pic>
-      <p:pic>
-        <p:nvPicPr>
-          <p:cNvPr id="9" name="Immagine 8">
-            <a:extLst>
-              <a:ext uri="{FF2B5EF4-FFF2-40B4-BE49-F238E27FC236}">
-                <a16:creationId xmlns:a16="http://schemas.microsoft.com/office/drawing/2014/main" id="{3F8BD9D0-E266-4F7C-A314-61B3059101CC}"/>
-              </a:ext>
-            </a:extLst>
-          </p:cNvPr>
-          <p:cNvPicPr>
-            <a:picLocks noChangeAspect="1"/>
-          </p:cNvPicPr>
-          <p:nvPr/>
-        </p:nvPicPr>
-        <p:blipFill>
-          <a:blip r:embed="rId5"/>
-          <a:stretch>
-            <a:fillRect/>
-          </a:stretch>
-        </p:blipFill>
-        <p:spPr>
-          <a:xfrm>
-            <a:off x="3797384" y="616276"/>
-            <a:ext cx="6264706" cy="3146374"/>
+            <a:off x="1573138" y="1093267"/>
+            <a:ext cx="9045724" cy="4671465"/>
           </a:xfrm>
           <a:prstGeom prst="rect">
             <a:avLst/>
@@ -6014,7 +6858,7 @@
     </p:spTree>
     <p:extLst>
       <p:ext uri="{BB962C8B-B14F-4D97-AF65-F5344CB8AC3E}">
-        <p14:creationId xmlns:p14="http://schemas.microsoft.com/office/powerpoint/2010/main" val="1729135494"/>
+        <p14:creationId xmlns:p14="http://schemas.microsoft.com/office/powerpoint/2010/main" val="3041316037"/>
       </p:ext>
     </p:extLst>
   </p:cSld>
@@ -6024,7 +6868,7 @@
 </p:sld>
 </file>
 
-<file path=ppt/slides/slide4.xml><?xml version="1.0" encoding="utf-8"?>
+<file path=ppt/slides/slide3.xml><?xml version="1.0" encoding="utf-8"?>
 <p:sld xmlns:a="http://purl.oclc.org/ooxml/drawingml/main" xmlns:r="http://purl.oclc.org/ooxml/officeDocument/relationships" xmlns:p="http://purl.oclc.org/ooxml/presentationml/main">
   <p:cSld>
     <p:spTree>
@@ -6049,8 +6893,8 @@
         </p:nvSpPr>
         <p:spPr>
           <a:xfrm>
-            <a:off x="2509295" y="165381"/>
-            <a:ext cx="7173438" cy="492443"/>
+            <a:off x="5179889" y="165381"/>
+            <a:ext cx="1832233" cy="492443"/>
           </a:xfrm>
           <a:prstGeom prst="rect">
             <a:avLst/>
@@ -6058,7 +6902,7 @@
           <a:noFill/>
         </p:spPr>
         <p:txBody>
-          <a:bodyPr wrap="none" lIns="0" tIns="0" rIns="0" bIns="0" rtlCol="0">
+          <a:bodyPr wrap="square" lIns="0" tIns="0" rIns="0" bIns="0" rtlCol="0">
             <a:spAutoFit/>
           </a:bodyPr>
           <a:lstStyle/>
@@ -6075,7 +6919,7 @@
                 </a:solidFill>
                 <a:latin typeface="+mj-lt"/>
               </a:rPr>
-              <a:t>Intervento in base al titolo di studio</a:t>
+              <a:t>Il dataset</a:t>
             </a:r>
           </a:p>
         </p:txBody>
@@ -6248,7 +7092,7 @@
         <p:spPr>
           <a:xfrm>
             <a:off x="11907454" y="6481180"/>
-            <a:ext cx="280846" cy="307777"/>
+            <a:ext cx="277640" cy="307777"/>
           </a:xfrm>
           <a:prstGeom prst="rect">
             <a:avLst/>
@@ -6268,7 +7112,7 @@
                   <a:schemeClr val="bg1"/>
                 </a:solidFill>
               </a:rPr>
-              <a:t>4</a:t>
+              <a:t>2</a:t>
             </a:r>
           </a:p>
         </p:txBody>
@@ -6307,7 +7151,7 @@
           <p:cNvPr id="5" name="Immagine 4">
             <a:extLst>
               <a:ext uri="{FF2B5EF4-FFF2-40B4-BE49-F238E27FC236}">
-                <a16:creationId xmlns:a16="http://schemas.microsoft.com/office/drawing/2014/main" id="{C86611CB-6518-46FC-9733-8082C8F30610}"/>
+                <a16:creationId xmlns:a16="http://schemas.microsoft.com/office/drawing/2014/main" id="{5F3EC594-1BF1-43FB-981D-83101200B869}"/>
               </a:ext>
             </a:extLst>
           </p:cNvPr>
@@ -6324,8 +7168,8 @@
         </p:blipFill>
         <p:spPr>
           <a:xfrm>
-            <a:off x="3711276" y="3923930"/>
-            <a:ext cx="5312859" cy="2711138"/>
+            <a:off x="790996" y="3236215"/>
+            <a:ext cx="3990539" cy="1377445"/>
           </a:xfrm>
           <a:prstGeom prst="rect">
             <a:avLst/>
@@ -6334,10 +7178,10 @@
       </p:pic>
       <p:pic>
         <p:nvPicPr>
-          <p:cNvPr id="8" name="Immagine 7">
+          <p:cNvPr id="7" name="Immagine 6">
             <a:extLst>
               <a:ext uri="{FF2B5EF4-FFF2-40B4-BE49-F238E27FC236}">
-                <a16:creationId xmlns:a16="http://schemas.microsoft.com/office/drawing/2014/main" id="{9B90EB61-3BF5-4C04-B722-17EAC9A00C12}"/>
+                <a16:creationId xmlns:a16="http://schemas.microsoft.com/office/drawing/2014/main" id="{55887E87-8336-493D-A8FF-BF2F91B770CC}"/>
               </a:ext>
             </a:extLst>
           </p:cNvPr>
@@ -6354,48 +7198,91 @@
         </p:blipFill>
         <p:spPr>
           <a:xfrm>
-            <a:off x="1026836" y="877222"/>
-            <a:ext cx="3167961" cy="3050144"/>
+            <a:off x="1177807" y="1500936"/>
+            <a:ext cx="3216919" cy="896036"/>
           </a:xfrm>
           <a:prstGeom prst="rect">
             <a:avLst/>
           </a:prstGeom>
         </p:spPr>
       </p:pic>
-      <p:pic>
-        <p:nvPicPr>
-          <p:cNvPr id="11" name="Immagine 10">
+      <p:sp>
+        <p:nvSpPr>
+          <p:cNvPr id="8" name="CasellaDiTesto 7">
             <a:extLst>
               <a:ext uri="{FF2B5EF4-FFF2-40B4-BE49-F238E27FC236}">
-                <a16:creationId xmlns:a16="http://schemas.microsoft.com/office/drawing/2014/main" id="{2EE33F69-9070-4667-8B48-B0EEE2E22313}"/>
+                <a16:creationId xmlns:a16="http://schemas.microsoft.com/office/drawing/2014/main" id="{84163B24-9E39-4351-AB9D-3B52A8194E1F}"/>
               </a:ext>
             </a:extLst>
           </p:cNvPr>
-          <p:cNvPicPr>
-            <a:picLocks noChangeAspect="1"/>
-          </p:cNvPicPr>
+          <p:cNvSpPr txBox="1"/>
           <p:nvPr/>
-        </p:nvPicPr>
-        <p:blipFill>
-          <a:blip r:embed="rId5"/>
-          <a:stretch>
-            <a:fillRect/>
-          </a:stretch>
-        </p:blipFill>
+        </p:nvSpPr>
         <p:spPr>
           <a:xfrm>
-            <a:off x="8358947" y="880658"/>
-            <a:ext cx="3323405" cy="3043272"/>
+            <a:off x="4980373" y="542161"/>
+            <a:ext cx="2521259" cy="4708981"/>
           </a:xfrm>
           <a:prstGeom prst="rect">
             <a:avLst/>
           </a:prstGeom>
+          <a:noFill/>
         </p:spPr>
-      </p:pic>
+        <p:txBody>
+          <a:bodyPr wrap="square" rtlCol="0">
+            <a:spAutoFit/>
+          </a:bodyPr>
+          <a:lstStyle/>
+          <a:p>
+            <a:r>
+              <a:rPr lang="it-IT" sz="30000" dirty="0"/>
+              <a:t>+</a:t>
+            </a:r>
+          </a:p>
+        </p:txBody>
+      </p:sp>
+      <p:sp>
+        <p:nvSpPr>
+          <p:cNvPr id="9" name="CasellaDiTesto 8">
+            <a:extLst>
+              <a:ext uri="{FF2B5EF4-FFF2-40B4-BE49-F238E27FC236}">
+                <a16:creationId xmlns:a16="http://schemas.microsoft.com/office/drawing/2014/main" id="{41BF46F4-1300-4C7D-83D1-DD5A2CD77EE2}"/>
+              </a:ext>
+            </a:extLst>
+          </p:cNvPr>
+          <p:cNvSpPr txBox="1"/>
+          <p:nvPr/>
+        </p:nvSpPr>
+        <p:spPr>
+          <a:xfrm>
+            <a:off x="7625919" y="2724608"/>
+            <a:ext cx="3663203" cy="1200329"/>
+          </a:xfrm>
+          <a:prstGeom prst="rect">
+            <a:avLst/>
+          </a:prstGeom>
+          <a:noFill/>
+        </p:spPr>
+        <p:txBody>
+          <a:bodyPr wrap="square" rtlCol="0">
+            <a:spAutoFit/>
+          </a:bodyPr>
+          <a:lstStyle/>
+          <a:p>
+            <a:r>
+              <a:rPr lang="it-IT" sz="2400" b="1" dirty="0">
+                <a:latin typeface="Arial" panose="020B0604020202020204" pitchFamily="34" charset="0"/>
+                <a:cs typeface="Arial" panose="020B0604020202020204" pitchFamily="34" charset="0"/>
+              </a:rPr>
+              <a:t>Sondaggio per ottenere dati demografici, politici e religiosi.</a:t>
+            </a:r>
+          </a:p>
+        </p:txBody>
+      </p:sp>
     </p:spTree>
     <p:extLst>
       <p:ext uri="{BB962C8B-B14F-4D97-AF65-F5344CB8AC3E}">
-        <p14:creationId xmlns:p14="http://schemas.microsoft.com/office/powerpoint/2010/main" val="4023156737"/>
+        <p14:creationId xmlns:p14="http://schemas.microsoft.com/office/powerpoint/2010/main" val="4169013356"/>
       </p:ext>
     </p:extLst>
   </p:cSld>
@@ -6405,7 +7292,7 @@
 </p:sld>
 </file>
 
-<file path=ppt/slides/slide5.xml><?xml version="1.0" encoding="utf-8"?>
+<file path=ppt/slides/slide4.xml><?xml version="1.0" encoding="utf-8"?>
 <p:sld xmlns:a="http://purl.oclc.org/ooxml/drawingml/main" xmlns:r="http://purl.oclc.org/ooxml/officeDocument/relationships" xmlns:p="http://purl.oclc.org/ooxml/presentationml/main">
   <p:cSld>
     <p:spTree>
@@ -6430,8 +7317,8 @@
         </p:nvSpPr>
         <p:spPr>
           <a:xfrm>
-            <a:off x="2637541" y="165381"/>
-            <a:ext cx="6916958" cy="492443"/>
+            <a:off x="4828596" y="174259"/>
+            <a:ext cx="2534807" cy="492443"/>
           </a:xfrm>
           <a:prstGeom prst="rect">
             <a:avLst/>
@@ -6439,7 +7326,7 @@
           <a:noFill/>
         </p:spPr>
         <p:txBody>
-          <a:bodyPr wrap="none" lIns="0" tIns="0" rIns="0" bIns="0" rtlCol="0">
+          <a:bodyPr wrap="square" lIns="0" tIns="0" rIns="0" bIns="0" rtlCol="0">
             <a:spAutoFit/>
           </a:bodyPr>
           <a:lstStyle/>
@@ -6456,7 +7343,7 @@
                 </a:solidFill>
                 <a:latin typeface="+mj-lt"/>
               </a:rPr>
-              <a:t>Intervento in base al titolo di studio</a:t>
+              <a:t>Il dataset (2)</a:t>
             </a:r>
           </a:p>
         </p:txBody>
@@ -6629,7 +7516,7 @@
         <p:spPr>
           <a:xfrm>
             <a:off x="11907454" y="6481180"/>
-            <a:ext cx="280846" cy="307777"/>
+            <a:ext cx="277640" cy="307777"/>
           </a:xfrm>
           <a:prstGeom prst="rect">
             <a:avLst/>
@@ -6649,7 +7536,7 @@
                   <a:schemeClr val="bg1"/>
                 </a:solidFill>
               </a:rPr>
-              <a:t>4</a:t>
+              <a:t>2</a:t>
             </a:r>
           </a:p>
         </p:txBody>
@@ -6685,10 +7572,10 @@
       </p:sp>
       <p:pic>
         <p:nvPicPr>
-          <p:cNvPr id="5" name="Immagine 4">
+          <p:cNvPr id="4" name="Immagine 3">
             <a:extLst>
               <a:ext uri="{FF2B5EF4-FFF2-40B4-BE49-F238E27FC236}">
-                <a16:creationId xmlns:a16="http://schemas.microsoft.com/office/drawing/2014/main" id="{C86611CB-6518-46FC-9733-8082C8F30610}"/>
+                <a16:creationId xmlns:a16="http://schemas.microsoft.com/office/drawing/2014/main" id="{38904B29-82FF-4519-941D-88F3EB0337D2}"/>
               </a:ext>
             </a:extLst>
           </p:cNvPr>
@@ -6705,8 +7592,328 @@
         </p:blipFill>
         <p:spPr>
           <a:xfrm>
-            <a:off x="3711276" y="3923930"/>
-            <a:ext cx="5312859" cy="2711138"/>
+            <a:off x="810728" y="905524"/>
+            <a:ext cx="10570544" cy="4755070"/>
+          </a:xfrm>
+          <a:prstGeom prst="rect">
+            <a:avLst/>
+          </a:prstGeom>
+        </p:spPr>
+      </p:pic>
+    </p:spTree>
+    <p:extLst>
+      <p:ext uri="{BB962C8B-B14F-4D97-AF65-F5344CB8AC3E}">
+        <p14:creationId xmlns:p14="http://schemas.microsoft.com/office/powerpoint/2010/main" val="2937669095"/>
+      </p:ext>
+    </p:extLst>
+  </p:cSld>
+  <p:clrMapOvr>
+    <a:masterClrMapping/>
+  </p:clrMapOvr>
+</p:sld>
+</file>
+
+<file path=ppt/slides/slide5.xml><?xml version="1.0" encoding="utf-8"?>
+<p:sld xmlns:a="http://purl.oclc.org/ooxml/drawingml/main" xmlns:r="http://purl.oclc.org/ooxml/officeDocument/relationships" xmlns:p="http://purl.oclc.org/ooxml/presentationml/main">
+  <p:cSld>
+    <p:spTree>
+      <p:nvGrpSpPr>
+        <p:cNvPr id="1" name=""/>
+        <p:cNvGrpSpPr/>
+        <p:nvPr/>
+      </p:nvGrpSpPr>
+      <p:grpSpPr>
+        <a:xfrm>
+          <a:off x="0" y="0"/>
+          <a:ext cx="0" cy="0"/>
+          <a:chOff x="0" y="0"/>
+          <a:chExt cx="0" cy="0"/>
+        </a:xfrm>
+      </p:grpSpPr>
+      <p:sp>
+        <p:nvSpPr>
+          <p:cNvPr id="110" name="Casella di testo 109"/>
+          <p:cNvSpPr txBox="1"/>
+          <p:nvPr/>
+        </p:nvSpPr>
+        <p:spPr>
+          <a:xfrm>
+            <a:off x="4535485" y="165381"/>
+            <a:ext cx="3121047" cy="492443"/>
+          </a:xfrm>
+          <a:prstGeom prst="rect">
+            <a:avLst/>
+          </a:prstGeom>
+          <a:noFill/>
+        </p:spPr>
+        <p:txBody>
+          <a:bodyPr wrap="none" lIns="0" tIns="0" rIns="0" bIns="0" rtlCol="0">
+            <a:spAutoFit/>
+          </a:bodyPr>
+          <a:lstStyle/>
+          <a:p>
+            <a:pPr algn="ctr" rtl="0">
+              <a:tabLst>
+                <a:tab pos="347663" algn="l"/>
+              </a:tabLst>
+            </a:pPr>
+            <a:r>
+              <a:rPr lang="it-IT" sz="3200" b="1" dirty="0">
+                <a:solidFill>
+                  <a:srgbClr val="30353F"/>
+                </a:solidFill>
+                <a:latin typeface="+mj-lt"/>
+              </a:rPr>
+              <a:t>Dati interessanti</a:t>
+            </a:r>
+          </a:p>
+        </p:txBody>
+      </p:sp>
+      <p:sp>
+        <p:nvSpPr>
+          <p:cNvPr id="30" name="Figura a mano libera 19">
+            <a:extLst>
+              <a:ext uri="{FF2B5EF4-FFF2-40B4-BE49-F238E27FC236}">
+                <a16:creationId xmlns:a16="http://schemas.microsoft.com/office/drawing/2014/main" id="{189E3C56-F900-44E7-BF74-7509E4A585C5}"/>
+              </a:ext>
+              <a:ext uri="{C183D7F6-B498-43B3-948B-1728B52AA6E4}">
+                <adec:decorative xmlns:adec="http://schemas.microsoft.com/office/drawing/2017/decorative" val="1"/>
+              </a:ext>
+            </a:extLst>
+          </p:cNvPr>
+          <p:cNvSpPr/>
+          <p:nvPr/>
+        </p:nvSpPr>
+        <p:spPr>
+          <a:xfrm rot="2700000">
+            <a:off x="11788943" y="6333474"/>
+            <a:ext cx="527486" cy="603188"/>
+          </a:xfrm>
+          <a:custGeom>
+            <a:avLst/>
+            <a:gdLst>
+              <a:gd name="connsiteX0" fmla="*/ 110516 w 889463"/>
+              <a:gd name="connsiteY0" fmla="*/ 95275 h 1017114"/>
+              <a:gd name="connsiteX1" fmla="*/ 230452 w 889463"/>
+              <a:gd name="connsiteY1" fmla="*/ 14411 h 1017114"/>
+              <a:gd name="connsiteX2" fmla="*/ 276877 w 889463"/>
+              <a:gd name="connsiteY2" fmla="*/ 0 h 1017114"/>
+              <a:gd name="connsiteX3" fmla="*/ 889463 w 889463"/>
+              <a:gd name="connsiteY3" fmla="*/ 612585 h 1017114"/>
+              <a:gd name="connsiteX4" fmla="*/ 484934 w 889463"/>
+              <a:gd name="connsiteY4" fmla="*/ 1017114 h 1017114"/>
+              <a:gd name="connsiteX5" fmla="*/ 377324 w 889463"/>
+              <a:gd name="connsiteY5" fmla="*/ 1017114 h 1017114"/>
+              <a:gd name="connsiteX6" fmla="*/ 0 w 889463"/>
+              <a:gd name="connsiteY6" fmla="*/ 639790 h 1017114"/>
+              <a:gd name="connsiteX7" fmla="*/ 0 w 889463"/>
+              <a:gd name="connsiteY7" fmla="*/ 362083 h 1017114"/>
+              <a:gd name="connsiteX8" fmla="*/ 110516 w 889463"/>
+              <a:gd name="connsiteY8" fmla="*/ 95275 h 1017114"/>
+            </a:gdLst>
+            <a:ahLst/>
+            <a:cxnLst>
+              <a:cxn ang="0">
+                <a:pos x="connsiteX0" y="connsiteY0"/>
+              </a:cxn>
+              <a:cxn ang="0">
+                <a:pos x="connsiteX1" y="connsiteY1"/>
+              </a:cxn>
+              <a:cxn ang="0">
+                <a:pos x="connsiteX2" y="connsiteY2"/>
+              </a:cxn>
+              <a:cxn ang="0">
+                <a:pos x="connsiteX3" y="connsiteY3"/>
+              </a:cxn>
+              <a:cxn ang="0">
+                <a:pos x="connsiteX4" y="connsiteY4"/>
+              </a:cxn>
+              <a:cxn ang="0">
+                <a:pos x="connsiteX5" y="connsiteY5"/>
+              </a:cxn>
+              <a:cxn ang="0">
+                <a:pos x="connsiteX6" y="connsiteY6"/>
+              </a:cxn>
+              <a:cxn ang="0">
+                <a:pos x="connsiteX7" y="connsiteY7"/>
+              </a:cxn>
+              <a:cxn ang="0">
+                <a:pos x="connsiteX8" y="connsiteY8"/>
+              </a:cxn>
+            </a:cxnLst>
+            <a:rect l="l" t="t" r="r" b="b"/>
+            <a:pathLst>
+              <a:path w="889463" h="1017114">
+                <a:moveTo>
+                  <a:pt x="110516" y="95275"/>
+                </a:moveTo>
+                <a:cubicBezTo>
+                  <a:pt x="144657" y="61133"/>
+                  <a:pt x="185310" y="33504"/>
+                  <a:pt x="230452" y="14411"/>
+                </a:cubicBezTo>
+                <a:lnTo>
+                  <a:pt x="276877" y="0"/>
+                </a:lnTo>
+                <a:lnTo>
+                  <a:pt x="889463" y="612585"/>
+                </a:lnTo>
+                <a:lnTo>
+                  <a:pt x="484934" y="1017114"/>
+                </a:lnTo>
+                <a:lnTo>
+                  <a:pt x="377324" y="1017114"/>
+                </a:lnTo>
+                <a:cubicBezTo>
+                  <a:pt x="168934" y="1017114"/>
+                  <a:pt x="0" y="848180"/>
+                  <a:pt x="0" y="639790"/>
+                </a:cubicBezTo>
+                <a:lnTo>
+                  <a:pt x="0" y="362083"/>
+                </a:lnTo>
+                <a:cubicBezTo>
+                  <a:pt x="0" y="257888"/>
+                  <a:pt x="42234" y="163556"/>
+                  <a:pt x="110516" y="95275"/>
+                </a:cubicBezTo>
+                <a:close/>
+              </a:path>
+            </a:pathLst>
+          </a:custGeom>
+          <a:solidFill>
+            <a:schemeClr val="tx1">
+              <a:lumMod val="50%"/>
+              <a:lumOff val="50%"/>
+            </a:schemeClr>
+          </a:solidFill>
+          <a:ln>
+            <a:noFill/>
+          </a:ln>
+        </p:spPr>
+        <p:style>
+          <a:lnRef idx="2">
+            <a:schemeClr val="accent1">
+              <a:shade val="50%"/>
+            </a:schemeClr>
+          </a:lnRef>
+          <a:fillRef idx="1">
+            <a:schemeClr val="accent1"/>
+          </a:fillRef>
+          <a:effectRef idx="0">
+            <a:schemeClr val="accent1"/>
+          </a:effectRef>
+          <a:fontRef idx="minor">
+            <a:schemeClr val="lt1"/>
+          </a:fontRef>
+        </p:style>
+        <p:txBody>
+          <a:bodyPr wrap="square" rtlCol="0" anchor="ctr">
+            <a:noAutofit/>
+          </a:bodyPr>
+          <a:lstStyle/>
+          <a:p>
+            <a:pPr algn="ctr" rtl="0"/>
+            <a:endParaRPr lang="it-IT" dirty="0">
+              <a:solidFill>
+                <a:srgbClr val="98A3AD"/>
+              </a:solidFill>
+            </a:endParaRPr>
+          </a:p>
+        </p:txBody>
+      </p:sp>
+      <p:sp>
+        <p:nvSpPr>
+          <p:cNvPr id="33" name="Casella di testo 32">
+            <a:extLst>
+              <a:ext uri="{FF2B5EF4-FFF2-40B4-BE49-F238E27FC236}">
+                <a16:creationId xmlns:a16="http://schemas.microsoft.com/office/drawing/2014/main" id="{5C7F3CEE-E6DF-48C0-8B9A-22A03DF4C29B}"/>
+              </a:ext>
+            </a:extLst>
+          </p:cNvPr>
+          <p:cNvSpPr txBox="1"/>
+          <p:nvPr/>
+        </p:nvSpPr>
+        <p:spPr>
+          <a:xfrm>
+            <a:off x="11907454" y="6481180"/>
+            <a:ext cx="277640" cy="307777"/>
+          </a:xfrm>
+          <a:prstGeom prst="rect">
+            <a:avLst/>
+          </a:prstGeom>
+          <a:noFill/>
+        </p:spPr>
+        <p:txBody>
+          <a:bodyPr wrap="none" rtlCol="0">
+            <a:spAutoFit/>
+          </a:bodyPr>
+          <a:lstStyle/>
+          <a:p>
+            <a:pPr rtl="0"/>
+            <a:r>
+              <a:rPr lang="it-IT" sz="1400" b="1" dirty="0">
+                <a:solidFill>
+                  <a:schemeClr val="bg1"/>
+                </a:solidFill>
+              </a:rPr>
+              <a:t>3</a:t>
+            </a:r>
+          </a:p>
+        </p:txBody>
+      </p:sp>
+      <p:sp>
+        <p:nvSpPr>
+          <p:cNvPr id="2" name="Titolo 1" hidden="1">
+            <a:extLst>
+              <a:ext uri="{FF2B5EF4-FFF2-40B4-BE49-F238E27FC236}">
+                <a16:creationId xmlns:a16="http://schemas.microsoft.com/office/drawing/2014/main" id="{57154957-68AB-414D-8F5B-A49D3A2612B1}"/>
+              </a:ext>
+            </a:extLst>
+          </p:cNvPr>
+          <p:cNvSpPr>
+            <a:spLocks noGrp="1"/>
+          </p:cNvSpPr>
+          <p:nvPr>
+            <p:ph type="title"/>
+          </p:nvPr>
+        </p:nvSpPr>
+        <p:spPr/>
+        <p:txBody>
+          <a:bodyPr rtlCol="0"/>
+          <a:lstStyle/>
+          <a:p>
+            <a:pPr rtl="0"/>
+            <a:r>
+              <a:rPr lang="it-IT" dirty="0"/>
+              <a:t>Diapositiva 2</a:t>
+            </a:r>
+          </a:p>
+        </p:txBody>
+      </p:sp>
+      <p:pic>
+        <p:nvPicPr>
+          <p:cNvPr id="4" name="Immagine 3">
+            <a:extLst>
+              <a:ext uri="{FF2B5EF4-FFF2-40B4-BE49-F238E27FC236}">
+                <a16:creationId xmlns:a16="http://schemas.microsoft.com/office/drawing/2014/main" id="{38904B29-82FF-4519-941D-88F3EB0337D2}"/>
+              </a:ext>
+            </a:extLst>
+          </p:cNvPr>
+          <p:cNvPicPr>
+            <a:picLocks noChangeAspect="1"/>
+          </p:cNvPicPr>
+          <p:nvPr/>
+        </p:nvPicPr>
+        <p:blipFill rotWithShape="1">
+          <a:blip r:embed="rId3"/>
+          <a:srcRect l="54.395%" r="29.816%" b="8.906%"/>
+          <a:stretch/>
+        </p:blipFill>
+        <p:spPr>
+          <a:xfrm>
+            <a:off x="1589102" y="1131364"/>
+            <a:ext cx="1589104" cy="4124217"/>
           </a:xfrm>
           <a:prstGeom prst="rect">
             <a:avLst/>
@@ -6715,10 +7922,10 @@
       </p:pic>
       <p:pic>
         <p:nvPicPr>
-          <p:cNvPr id="8" name="Immagine 7">
+          <p:cNvPr id="6" name="Immagine 5">
             <a:extLst>
               <a:ext uri="{FF2B5EF4-FFF2-40B4-BE49-F238E27FC236}">
-                <a16:creationId xmlns:a16="http://schemas.microsoft.com/office/drawing/2014/main" id="{9B90EB61-3BF5-4C04-B722-17EAC9A00C12}"/>
+                <a16:creationId xmlns:a16="http://schemas.microsoft.com/office/drawing/2014/main" id="{FF129BE6-2408-4408-A9C4-C3BA4A467EF7}"/>
               </a:ext>
             </a:extLst>
           </p:cNvPr>
@@ -6727,28 +7934,69 @@
           </p:cNvPicPr>
           <p:nvPr/>
         </p:nvPicPr>
-        <p:blipFill>
+        <p:blipFill rotWithShape="1">
           <a:blip r:embed="rId4"/>
-          <a:stretch>
-            <a:fillRect/>
-          </a:stretch>
+          <a:srcRect b="6.165%"/>
+          <a:stretch/>
         </p:blipFill>
         <p:spPr>
           <a:xfrm>
-            <a:off x="1026836" y="877222"/>
-            <a:ext cx="3167961" cy="3050144"/>
+            <a:off x="3765432" y="904411"/>
+            <a:ext cx="5937981" cy="2788473"/>
           </a:xfrm>
           <a:prstGeom prst="rect">
             <a:avLst/>
           </a:prstGeom>
         </p:spPr>
       </p:pic>
+      <p:sp>
+        <p:nvSpPr>
+          <p:cNvPr id="7" name="CasellaDiTesto 6">
+            <a:extLst>
+              <a:ext uri="{FF2B5EF4-FFF2-40B4-BE49-F238E27FC236}">
+                <a16:creationId xmlns:a16="http://schemas.microsoft.com/office/drawing/2014/main" id="{B23AC70F-4A40-4D15-9287-3F9F01178D71}"/>
+              </a:ext>
+            </a:extLst>
+          </p:cNvPr>
+          <p:cNvSpPr txBox="1"/>
+          <p:nvPr/>
+        </p:nvSpPr>
+        <p:spPr>
+          <a:xfrm>
+            <a:off x="6244670" y="657824"/>
+            <a:ext cx="979503" cy="369332"/>
+          </a:xfrm>
+          <a:prstGeom prst="rect">
+            <a:avLst/>
+          </a:prstGeom>
+          <a:noFill/>
+        </p:spPr>
+        <p:txBody>
+          <a:bodyPr wrap="square" rtlCol="0">
+            <a:spAutoFit/>
+          </a:bodyPr>
+          <a:lstStyle/>
+          <a:p>
+            <a:r>
+              <a:rPr lang="it-IT" b="1" dirty="0" err="1">
+                <a:latin typeface="Calibri" panose="020F0502020204030204" pitchFamily="34" charset="0"/>
+                <a:cs typeface="Calibri" panose="020F0502020204030204" pitchFamily="34" charset="0"/>
+              </a:rPr>
+              <a:t>Believer</a:t>
+            </a:r>
+            <a:endParaRPr lang="it-IT" b="1" dirty="0">
+              <a:latin typeface="Calibri" panose="020F0502020204030204" pitchFamily="34" charset="0"/>
+              <a:cs typeface="Calibri" panose="020F0502020204030204" pitchFamily="34" charset="0"/>
+            </a:endParaRPr>
+          </a:p>
+        </p:txBody>
+      </p:sp>
       <p:pic>
         <p:nvPicPr>
-          <p:cNvPr id="11" name="Immagine 10">
+          <p:cNvPr id="10" name="Immagine 9">
             <a:extLst>
               <a:ext uri="{FF2B5EF4-FFF2-40B4-BE49-F238E27FC236}">
-                <a16:creationId xmlns:a16="http://schemas.microsoft.com/office/drawing/2014/main" id="{2EE33F69-9070-4667-8B48-B0EEE2E22313}"/>
+                <a16:creationId xmlns:a16="http://schemas.microsoft.com/office/drawing/2014/main" id="{6C4D32EC-57B5-48B1-80BC-2EFEB3D1B1D6}"/>
               </a:ext>
             </a:extLst>
           </p:cNvPr>
@@ -6765,18 +8013,63 @@
         </p:blipFill>
         <p:spPr>
           <a:xfrm>
-            <a:off x="8358947" y="880658"/>
-            <a:ext cx="3323405" cy="3043272"/>
+            <a:off x="3851722" y="4007406"/>
+            <a:ext cx="5765400" cy="2627662"/>
           </a:xfrm>
           <a:prstGeom prst="rect">
             <a:avLst/>
           </a:prstGeom>
         </p:spPr>
       </p:pic>
+      <p:sp>
+        <p:nvSpPr>
+          <p:cNvPr id="14" name="CasellaDiTesto 13">
+            <a:extLst>
+              <a:ext uri="{FF2B5EF4-FFF2-40B4-BE49-F238E27FC236}">
+                <a16:creationId xmlns:a16="http://schemas.microsoft.com/office/drawing/2014/main" id="{7D55FD41-971E-4F36-B3FD-682A3F00559A}"/>
+              </a:ext>
+            </a:extLst>
+          </p:cNvPr>
+          <p:cNvSpPr txBox="1"/>
+          <p:nvPr/>
+        </p:nvSpPr>
+        <p:spPr>
+          <a:xfrm>
+            <a:off x="6244669" y="3638074"/>
+            <a:ext cx="1896153" cy="369332"/>
+          </a:xfrm>
+          <a:prstGeom prst="rect">
+            <a:avLst/>
+          </a:prstGeom>
+          <a:noFill/>
+        </p:spPr>
+        <p:txBody>
+          <a:bodyPr wrap="square" rtlCol="0">
+            <a:spAutoFit/>
+          </a:bodyPr>
+          <a:lstStyle/>
+          <a:p>
+            <a:r>
+              <a:rPr lang="it-IT" b="1" dirty="0" err="1">
+                <a:latin typeface="Calibri" panose="020F0502020204030204" pitchFamily="34" charset="0"/>
+                <a:cs typeface="Calibri" panose="020F0502020204030204" pitchFamily="34" charset="0"/>
+              </a:rPr>
+              <a:t>Political</a:t>
+            </a:r>
+            <a:r>
+              <a:rPr lang="it-IT" b="1" dirty="0">
+                <a:latin typeface="Calibri" panose="020F0502020204030204" pitchFamily="34" charset="0"/>
+                <a:cs typeface="Calibri" panose="020F0502020204030204" pitchFamily="34" charset="0"/>
+              </a:rPr>
+              <a:t> Activity</a:t>
+            </a:r>
+          </a:p>
+        </p:txBody>
+      </p:sp>
     </p:spTree>
     <p:extLst>
       <p:ext uri="{BB962C8B-B14F-4D97-AF65-F5344CB8AC3E}">
-        <p14:creationId xmlns:p14="http://schemas.microsoft.com/office/powerpoint/2010/main" val="1900177791"/>
+        <p14:creationId xmlns:p14="http://schemas.microsoft.com/office/powerpoint/2010/main" val="1729135494"/>
       </p:ext>
     </p:extLst>
   </p:cSld>
@@ -6803,90 +8096,52 @@
           <a:chExt cx="0" cy="0"/>
         </a:xfrm>
       </p:grpSpPr>
-      <p:pic>
-        <p:nvPicPr>
-          <p:cNvPr id="6" name="Immagine 5">
-            <a:extLst>
-              <a:ext uri="{C183D7F6-B498-43B3-948B-1728B52AA6E4}">
-                <adec:decorative xmlns:adec="http://schemas.microsoft.com/office/drawing/2017/decorative" val="1"/>
-              </a:ext>
-            </a:extLst>
-          </p:cNvPr>
-          <p:cNvPicPr>
-            <a:picLocks noChangeAspect="1"/>
-          </p:cNvPicPr>
+      <p:sp>
+        <p:nvSpPr>
+          <p:cNvPr id="110" name="Casella di testo 109"/>
+          <p:cNvSpPr txBox="1"/>
           <p:nvPr/>
-        </p:nvPicPr>
-        <p:blipFill>
-          <a:blip r:embed="rId3" cstate="print">
-            <a:extLst>
-              <a:ext uri="{28A0092B-C50C-407E-A947-70E740481C1C}">
-                <a14:useLocalDpi xmlns:a14="http://schemas.microsoft.com/office/drawing/2010/main" val="0"/>
-              </a:ext>
-            </a:extLst>
-          </a:blip>
-          <a:srcRect/>
-          <a:stretch>
-            <a:fillRect/>
-          </a:stretch>
-        </p:blipFill>
+        </p:nvSpPr>
         <p:spPr>
           <a:xfrm>
-            <a:off x="0" y="2"/>
-            <a:ext cx="12192000" cy="6857999"/>
+            <a:off x="5094936" y="165381"/>
+            <a:ext cx="2002151" cy="492443"/>
           </a:xfrm>
-          <a:custGeom>
+          <a:prstGeom prst="rect">
             <a:avLst/>
-            <a:gdLst>
-              <a:gd name="connsiteX0" fmla="*/ 0 w 12192000"/>
-              <a:gd name="connsiteY0" fmla="*/ 0 h 6857999"/>
-              <a:gd name="connsiteX1" fmla="*/ 12192000 w 12192000"/>
-              <a:gd name="connsiteY1" fmla="*/ 0 h 6857999"/>
-              <a:gd name="connsiteX2" fmla="*/ 12192000 w 12192000"/>
-              <a:gd name="connsiteY2" fmla="*/ 6857999 h 6857999"/>
-              <a:gd name="connsiteX3" fmla="*/ 0 w 12192000"/>
-              <a:gd name="connsiteY3" fmla="*/ 6857999 h 6857999"/>
-            </a:gdLst>
-            <a:ahLst/>
-            <a:cxnLst>
-              <a:cxn ang="0">
-                <a:pos x="connsiteX0" y="connsiteY0"/>
-              </a:cxn>
-              <a:cxn ang="0">
-                <a:pos x="connsiteX1" y="connsiteY1"/>
-              </a:cxn>
-              <a:cxn ang="0">
-                <a:pos x="connsiteX2" y="connsiteY2"/>
-              </a:cxn>
-              <a:cxn ang="0">
-                <a:pos x="connsiteX3" y="connsiteY3"/>
-              </a:cxn>
-            </a:cxnLst>
-            <a:rect l="l" t="t" r="r" b="b"/>
-            <a:pathLst>
-              <a:path w="12192000" h="6857999">
-                <a:moveTo>
-                  <a:pt x="0" y="0"/>
-                </a:moveTo>
-                <a:lnTo>
-                  <a:pt x="12192000" y="0"/>
-                </a:lnTo>
-                <a:lnTo>
-                  <a:pt x="12192000" y="6857999"/>
-                </a:lnTo>
-                <a:lnTo>
-                  <a:pt x="0" y="6857999"/>
-                </a:lnTo>
-                <a:close/>
-              </a:path>
-            </a:pathLst>
-          </a:custGeom>
+          </a:prstGeom>
+          <a:noFill/>
         </p:spPr>
-      </p:pic>
-      <p:sp>
-        <p:nvSpPr>
-          <p:cNvPr id="5" name="Rettangolo 4">
+        <p:txBody>
+          <a:bodyPr wrap="none" lIns="0" tIns="0" rIns="0" bIns="0" rtlCol="0">
+            <a:spAutoFit/>
+          </a:bodyPr>
+          <a:lstStyle/>
+          <a:p>
+            <a:pPr algn="ctr" rtl="0">
+              <a:tabLst>
+                <a:tab pos="347663" algn="l"/>
+              </a:tabLst>
+            </a:pPr>
+            <a:r>
+              <a:rPr lang="it-IT" sz="3200" b="1" dirty="0">
+                <a:solidFill>
+                  <a:srgbClr val="30353F"/>
+                </a:solidFill>
+                <a:latin typeface="+mj-lt"/>
+              </a:rPr>
+              <a:t>Religiosità</a:t>
+            </a:r>
+          </a:p>
+        </p:txBody>
+      </p:sp>
+      <p:sp>
+        <p:nvSpPr>
+          <p:cNvPr id="30" name="Figura a mano libera 19">
             <a:extLst>
+              <a:ext uri="{FF2B5EF4-FFF2-40B4-BE49-F238E27FC236}">
+                <a16:creationId xmlns:a16="http://schemas.microsoft.com/office/drawing/2014/main" id="{189E3C56-F900-44E7-BF74-7509E4A585C5}"/>
+              </a:ext>
               <a:ext uri="{C183D7F6-B498-43B3-948B-1728B52AA6E4}">
                 <adec:decorative xmlns:adec="http://schemas.microsoft.com/office/drawing/2017/decorative" val="1"/>
               </a:ext>
@@ -6896,198 +8151,106 @@
           <p:nvPr/>
         </p:nvSpPr>
         <p:spPr>
-          <a:xfrm>
-            <a:off x="0" y="0"/>
-            <a:ext cx="12192000" cy="6858000"/>
+          <a:xfrm rot="2700000">
+            <a:off x="11788943" y="6333474"/>
+            <a:ext cx="527486" cy="603188"/>
           </a:xfrm>
-          <a:prstGeom prst="rect">
+          <a:custGeom>
             <a:avLst/>
-          </a:prstGeom>
-          <a:gradFill flip="none" rotWithShape="0">
-            <a:gsLst>
-              <a:gs pos="100%">
-                <a:srgbClr val="1F2229">
-                  <a:alpha val="60%"/>
-                </a:srgbClr>
-              </a:gs>
-              <a:gs pos="20%">
-                <a:srgbClr val="1F2229">
-                  <a:alpha val="91.765%"/>
-                </a:srgbClr>
-              </a:gs>
-            </a:gsLst>
-            <a:lin ang="16200000" scaled="1"/>
-            <a:tileRect/>
-          </a:gradFill>
-          <a:ln>
-            <a:noFill/>
-          </a:ln>
-        </p:spPr>
-        <p:style>
-          <a:lnRef idx="2">
-            <a:schemeClr val="accent1">
-              <a:shade val="50%"/>
-            </a:schemeClr>
-          </a:lnRef>
-          <a:fillRef idx="1">
-            <a:schemeClr val="accent1"/>
-          </a:fillRef>
-          <a:effectRef idx="0">
-            <a:schemeClr val="accent1"/>
-          </a:effectRef>
-          <a:fontRef idx="minor">
-            <a:schemeClr val="lt1"/>
-          </a:fontRef>
-        </p:style>
-        <p:txBody>
-          <a:bodyPr rtlCol="0" anchor="ctr"/>
-          <a:lstStyle/>
-          <a:p>
-            <a:pPr algn="ctr" rtl="0"/>
-            <a:endParaRPr lang="it-IT" dirty="0"/>
-          </a:p>
-        </p:txBody>
-      </p:sp>
-      <p:grpSp>
-        <p:nvGrpSpPr>
-          <p:cNvPr id="21" name="Gruppo 20">
-            <a:extLst>
-              <a:ext uri="{C183D7F6-B498-43B3-948B-1728B52AA6E4}">
-                <adec:decorative xmlns:adec="http://schemas.microsoft.com/office/drawing/2017/decorative" val="1"/>
-              </a:ext>
-            </a:extLst>
-          </p:cNvPr>
-          <p:cNvGrpSpPr/>
-          <p:nvPr/>
-        </p:nvGrpSpPr>
-        <p:grpSpPr>
-          <a:xfrm>
-            <a:off x="2757714" y="1626921"/>
-            <a:ext cx="6676572" cy="3604160"/>
-            <a:chOff x="2162629" y="1305681"/>
-            <a:chExt cx="7866742" cy="4246640"/>
-          </a:xfrm>
-        </p:grpSpPr>
-        <p:sp>
-          <p:nvSpPr>
-            <p:cNvPr id="17" name="Ovale 16"/>
-            <p:cNvSpPr/>
-            <p:nvPr/>
-          </p:nvSpPr>
-          <p:spPr>
-            <a:xfrm>
-              <a:off x="5782715" y="1305681"/>
-              <a:ext cx="4246656" cy="4246640"/>
-            </a:xfrm>
-            <a:prstGeom prst="ellipse">
-              <a:avLst/>
-            </a:prstGeom>
-            <a:solidFill>
-              <a:srgbClr val="43CDD9">
-                <a:alpha val="30%"/>
-              </a:srgbClr>
-            </a:solidFill>
-            <a:ln>
-              <a:noFill/>
-            </a:ln>
-          </p:spPr>
-          <p:style>
-            <a:lnRef idx="2">
-              <a:schemeClr val="accent1">
-                <a:shade val="50%"/>
-              </a:schemeClr>
-            </a:lnRef>
-            <a:fillRef idx="1">
-              <a:schemeClr val="accent1"/>
-            </a:fillRef>
-            <a:effectRef idx="0">
-              <a:schemeClr val="accent1"/>
-            </a:effectRef>
-            <a:fontRef idx="minor">
-              <a:schemeClr val="lt1"/>
-            </a:fontRef>
-          </p:style>
-          <p:txBody>
-            <a:bodyPr rtlCol="0" anchor="ctr"/>
-            <a:lstStyle/>
-            <a:p>
-              <a:pPr algn="ctr" rtl="0"/>
-              <a:endParaRPr lang="it-IT" dirty="0"/>
-            </a:p>
-          </p:txBody>
-        </p:sp>
-        <p:sp>
-          <p:nvSpPr>
-            <p:cNvPr id="18" name="Ovale 17"/>
-            <p:cNvSpPr/>
-            <p:nvPr/>
-          </p:nvSpPr>
-          <p:spPr>
-            <a:xfrm>
-              <a:off x="2162629" y="1305681"/>
-              <a:ext cx="4246656" cy="4246640"/>
-            </a:xfrm>
-            <a:prstGeom prst="ellipse">
-              <a:avLst/>
-            </a:prstGeom>
-            <a:solidFill>
-              <a:srgbClr val="43CDD9">
-                <a:alpha val="30%"/>
-              </a:srgbClr>
-            </a:solidFill>
-            <a:ln>
-              <a:noFill/>
-            </a:ln>
-          </p:spPr>
-          <p:style>
-            <a:lnRef idx="2">
-              <a:schemeClr val="accent1">
-                <a:shade val="50%"/>
-              </a:schemeClr>
-            </a:lnRef>
-            <a:fillRef idx="1">
-              <a:schemeClr val="accent1"/>
-            </a:fillRef>
-            <a:effectRef idx="0">
-              <a:schemeClr val="accent1"/>
-            </a:effectRef>
-            <a:fontRef idx="minor">
-              <a:schemeClr val="lt1"/>
-            </a:fontRef>
-          </p:style>
-          <p:txBody>
-            <a:bodyPr rtlCol="0" anchor="ctr"/>
-            <a:lstStyle/>
-            <a:p>
-              <a:pPr algn="ctr" rtl="0"/>
-              <a:endParaRPr lang="it-IT" dirty="0"/>
-            </a:p>
-          </p:txBody>
-        </p:sp>
-      </p:grpSp>
-      <p:sp>
-        <p:nvSpPr>
-          <p:cNvPr id="16" name="Ovale 15">
-            <a:extLst>
-              <a:ext uri="{C183D7F6-B498-43B3-948B-1728B52AA6E4}">
-                <adec:decorative xmlns:adec="http://schemas.microsoft.com/office/drawing/2017/decorative" val="1"/>
-              </a:ext>
-            </a:extLst>
-          </p:cNvPr>
-          <p:cNvSpPr/>
-          <p:nvPr/>
-        </p:nvSpPr>
-        <p:spPr>
-          <a:xfrm>
-            <a:off x="3456507" y="789512"/>
-            <a:ext cx="5278993" cy="5278976"/>
-          </a:xfrm>
-          <a:prstGeom prst="ellipse">
-            <a:avLst/>
-          </a:prstGeom>
+            <a:gdLst>
+              <a:gd name="connsiteX0" fmla="*/ 110516 w 889463"/>
+              <a:gd name="connsiteY0" fmla="*/ 95275 h 1017114"/>
+              <a:gd name="connsiteX1" fmla="*/ 230452 w 889463"/>
+              <a:gd name="connsiteY1" fmla="*/ 14411 h 1017114"/>
+              <a:gd name="connsiteX2" fmla="*/ 276877 w 889463"/>
+              <a:gd name="connsiteY2" fmla="*/ 0 h 1017114"/>
+              <a:gd name="connsiteX3" fmla="*/ 889463 w 889463"/>
+              <a:gd name="connsiteY3" fmla="*/ 612585 h 1017114"/>
+              <a:gd name="connsiteX4" fmla="*/ 484934 w 889463"/>
+              <a:gd name="connsiteY4" fmla="*/ 1017114 h 1017114"/>
+              <a:gd name="connsiteX5" fmla="*/ 377324 w 889463"/>
+              <a:gd name="connsiteY5" fmla="*/ 1017114 h 1017114"/>
+              <a:gd name="connsiteX6" fmla="*/ 0 w 889463"/>
+              <a:gd name="connsiteY6" fmla="*/ 639790 h 1017114"/>
+              <a:gd name="connsiteX7" fmla="*/ 0 w 889463"/>
+              <a:gd name="connsiteY7" fmla="*/ 362083 h 1017114"/>
+              <a:gd name="connsiteX8" fmla="*/ 110516 w 889463"/>
+              <a:gd name="connsiteY8" fmla="*/ 95275 h 1017114"/>
+            </a:gdLst>
+            <a:ahLst/>
+            <a:cxnLst>
+              <a:cxn ang="0">
+                <a:pos x="connsiteX0" y="connsiteY0"/>
+              </a:cxn>
+              <a:cxn ang="0">
+                <a:pos x="connsiteX1" y="connsiteY1"/>
+              </a:cxn>
+              <a:cxn ang="0">
+                <a:pos x="connsiteX2" y="connsiteY2"/>
+              </a:cxn>
+              <a:cxn ang="0">
+                <a:pos x="connsiteX3" y="connsiteY3"/>
+              </a:cxn>
+              <a:cxn ang="0">
+                <a:pos x="connsiteX4" y="connsiteY4"/>
+              </a:cxn>
+              <a:cxn ang="0">
+                <a:pos x="connsiteX5" y="connsiteY5"/>
+              </a:cxn>
+              <a:cxn ang="0">
+                <a:pos x="connsiteX6" y="connsiteY6"/>
+              </a:cxn>
+              <a:cxn ang="0">
+                <a:pos x="connsiteX7" y="connsiteY7"/>
+              </a:cxn>
+              <a:cxn ang="0">
+                <a:pos x="connsiteX8" y="connsiteY8"/>
+              </a:cxn>
+            </a:cxnLst>
+            <a:rect l="l" t="t" r="r" b="b"/>
+            <a:pathLst>
+              <a:path w="889463" h="1017114">
+                <a:moveTo>
+                  <a:pt x="110516" y="95275"/>
+                </a:moveTo>
+                <a:cubicBezTo>
+                  <a:pt x="144657" y="61133"/>
+                  <a:pt x="185310" y="33504"/>
+                  <a:pt x="230452" y="14411"/>
+                </a:cubicBezTo>
+                <a:lnTo>
+                  <a:pt x="276877" y="0"/>
+                </a:lnTo>
+                <a:lnTo>
+                  <a:pt x="889463" y="612585"/>
+                </a:lnTo>
+                <a:lnTo>
+                  <a:pt x="484934" y="1017114"/>
+                </a:lnTo>
+                <a:lnTo>
+                  <a:pt x="377324" y="1017114"/>
+                </a:lnTo>
+                <a:cubicBezTo>
+                  <a:pt x="168934" y="1017114"/>
+                  <a:pt x="0" y="848180"/>
+                  <a:pt x="0" y="639790"/>
+                </a:cubicBezTo>
+                <a:lnTo>
+                  <a:pt x="0" y="362083"/>
+                </a:lnTo>
+                <a:cubicBezTo>
+                  <a:pt x="0" y="257888"/>
+                  <a:pt x="42234" y="163556"/>
+                  <a:pt x="110516" y="95275"/>
+                </a:cubicBezTo>
+                <a:close/>
+              </a:path>
+            </a:pathLst>
+          </a:custGeom>
           <a:solidFill>
-            <a:schemeClr val="bg1">
-              <a:alpha val="40%"/>
+            <a:schemeClr val="tx1">
+              <a:lumMod val="50%"/>
+              <a:lumOff val="50%"/>
             </a:schemeClr>
           </a:solidFill>
           <a:ln>
@@ -7111,13 +8274,15 @@
           </a:fontRef>
         </p:style>
         <p:txBody>
-          <a:bodyPr rtlCol="0" anchor="ctr"/>
+          <a:bodyPr wrap="square" rtlCol="0" anchor="ctr">
+            <a:noAutofit/>
+          </a:bodyPr>
           <a:lstStyle/>
           <a:p>
             <a:pPr algn="ctr" rtl="0"/>
             <a:endParaRPr lang="it-IT" dirty="0">
               <a:solidFill>
-                <a:schemeClr val="bg1"/>
+                <a:srgbClr val="98A3AD"/>
               </a:solidFill>
             </a:endParaRPr>
           </a:p>
@@ -7125,8 +8290,179 @@
       </p:sp>
       <p:sp>
         <p:nvSpPr>
-          <p:cNvPr id="19" name="Ovale 18">
+          <p:cNvPr id="33" name="Casella di testo 32">
             <a:extLst>
+              <a:ext uri="{FF2B5EF4-FFF2-40B4-BE49-F238E27FC236}">
+                <a16:creationId xmlns:a16="http://schemas.microsoft.com/office/drawing/2014/main" id="{5C7F3CEE-E6DF-48C0-8B9A-22A03DF4C29B}"/>
+              </a:ext>
+            </a:extLst>
+          </p:cNvPr>
+          <p:cNvSpPr txBox="1"/>
+          <p:nvPr/>
+        </p:nvSpPr>
+        <p:spPr>
+          <a:xfrm>
+            <a:off x="11907454" y="6481180"/>
+            <a:ext cx="280846" cy="307777"/>
+          </a:xfrm>
+          <a:prstGeom prst="rect">
+            <a:avLst/>
+          </a:prstGeom>
+          <a:noFill/>
+        </p:spPr>
+        <p:txBody>
+          <a:bodyPr wrap="none" rtlCol="0">
+            <a:spAutoFit/>
+          </a:bodyPr>
+          <a:lstStyle/>
+          <a:p>
+            <a:pPr rtl="0"/>
+            <a:r>
+              <a:rPr lang="it-IT" sz="1400" b="1" dirty="0">
+                <a:solidFill>
+                  <a:schemeClr val="bg1"/>
+                </a:solidFill>
+              </a:rPr>
+              <a:t>4</a:t>
+            </a:r>
+          </a:p>
+        </p:txBody>
+      </p:sp>
+      <p:sp>
+        <p:nvSpPr>
+          <p:cNvPr id="2" name="Titolo 1" hidden="1">
+            <a:extLst>
+              <a:ext uri="{FF2B5EF4-FFF2-40B4-BE49-F238E27FC236}">
+                <a16:creationId xmlns:a16="http://schemas.microsoft.com/office/drawing/2014/main" id="{57154957-68AB-414D-8F5B-A49D3A2612B1}"/>
+              </a:ext>
+            </a:extLst>
+          </p:cNvPr>
+          <p:cNvSpPr>
+            <a:spLocks noGrp="1"/>
+          </p:cNvSpPr>
+          <p:nvPr>
+            <p:ph type="title"/>
+          </p:nvPr>
+        </p:nvSpPr>
+        <p:spPr/>
+        <p:txBody>
+          <a:bodyPr rtlCol="0"/>
+          <a:lstStyle/>
+          <a:p>
+            <a:pPr rtl="0"/>
+            <a:r>
+              <a:rPr lang="it-IT" dirty="0"/>
+              <a:t>Diapositiva 2</a:t>
+            </a:r>
+          </a:p>
+        </p:txBody>
+      </p:sp>
+      <p:pic>
+        <p:nvPicPr>
+          <p:cNvPr id="4" name="Immagine 3">
+            <a:extLst>
+              <a:ext uri="{FF2B5EF4-FFF2-40B4-BE49-F238E27FC236}">
+                <a16:creationId xmlns:a16="http://schemas.microsoft.com/office/drawing/2014/main" id="{5623D3E0-A40D-43CB-9A8F-0207D29B9D26}"/>
+              </a:ext>
+            </a:extLst>
+          </p:cNvPr>
+          <p:cNvPicPr>
+            <a:picLocks noChangeAspect="1"/>
+          </p:cNvPicPr>
+          <p:nvPr/>
+        </p:nvPicPr>
+        <p:blipFill>
+          <a:blip r:embed="rId3"/>
+          <a:stretch>
+            <a:fillRect/>
+          </a:stretch>
+        </p:blipFill>
+        <p:spPr>
+          <a:xfrm>
+            <a:off x="2476870" y="1074402"/>
+            <a:ext cx="8228803" cy="4709195"/>
+          </a:xfrm>
+          <a:prstGeom prst="rect">
+            <a:avLst/>
+          </a:prstGeom>
+        </p:spPr>
+      </p:pic>
+    </p:spTree>
+    <p:extLst>
+      <p:ext uri="{BB962C8B-B14F-4D97-AF65-F5344CB8AC3E}">
+        <p14:creationId xmlns:p14="http://schemas.microsoft.com/office/powerpoint/2010/main" val="3606813779"/>
+      </p:ext>
+    </p:extLst>
+  </p:cSld>
+  <p:clrMapOvr>
+    <a:masterClrMapping/>
+  </p:clrMapOvr>
+</p:sld>
+</file>
+
+<file path=ppt/slides/slide7.xml><?xml version="1.0" encoding="utf-8"?>
+<p:sld xmlns:a="http://purl.oclc.org/ooxml/drawingml/main" xmlns:r="http://purl.oclc.org/ooxml/officeDocument/relationships" xmlns:p="http://purl.oclc.org/ooxml/presentationml/main">
+  <p:cSld>
+    <p:spTree>
+      <p:nvGrpSpPr>
+        <p:cNvPr id="1" name=""/>
+        <p:cNvGrpSpPr/>
+        <p:nvPr/>
+      </p:nvGrpSpPr>
+      <p:grpSpPr>
+        <a:xfrm>
+          <a:off x="0" y="0"/>
+          <a:ext cx="0" cy="0"/>
+          <a:chOff x="0" y="0"/>
+          <a:chExt cx="0" cy="0"/>
+        </a:xfrm>
+      </p:grpSpPr>
+      <p:sp>
+        <p:nvSpPr>
+          <p:cNvPr id="110" name="Casella di testo 109"/>
+          <p:cNvSpPr txBox="1"/>
+          <p:nvPr/>
+        </p:nvSpPr>
+        <p:spPr>
+          <a:xfrm>
+            <a:off x="2777000" y="165381"/>
+            <a:ext cx="6638036" cy="492443"/>
+          </a:xfrm>
+          <a:prstGeom prst="rect">
+            <a:avLst/>
+          </a:prstGeom>
+          <a:noFill/>
+        </p:spPr>
+        <p:txBody>
+          <a:bodyPr wrap="none" lIns="0" tIns="0" rIns="0" bIns="0" rtlCol="0">
+            <a:spAutoFit/>
+          </a:bodyPr>
+          <a:lstStyle/>
+          <a:p>
+            <a:pPr algn="ctr" rtl="0">
+              <a:tabLst>
+                <a:tab pos="347663" algn="l"/>
+              </a:tabLst>
+            </a:pPr>
+            <a:r>
+              <a:rPr lang="it-IT" sz="3200" b="1" dirty="0">
+                <a:solidFill>
+                  <a:srgbClr val="30353F"/>
+                </a:solidFill>
+                <a:latin typeface="+mj-lt"/>
+              </a:rPr>
+              <a:t>Intervento in base all’educazione</a:t>
+            </a:r>
+          </a:p>
+        </p:txBody>
+      </p:sp>
+      <p:sp>
+        <p:nvSpPr>
+          <p:cNvPr id="30" name="Figura a mano libera 19">
+            <a:extLst>
+              <a:ext uri="{FF2B5EF4-FFF2-40B4-BE49-F238E27FC236}">
+                <a16:creationId xmlns:a16="http://schemas.microsoft.com/office/drawing/2014/main" id="{189E3C56-F900-44E7-BF74-7509E4A585C5}"/>
+              </a:ext>
               <a:ext uri="{C183D7F6-B498-43B3-948B-1728B52AA6E4}">
                 <adec:decorative xmlns:adec="http://schemas.microsoft.com/office/drawing/2017/decorative" val="1"/>
               </a:ext>
@@ -7136,16 +8472,106 @@
           <p:nvPr/>
         </p:nvSpPr>
         <p:spPr>
-          <a:xfrm>
-            <a:off x="3879010" y="1212017"/>
-            <a:ext cx="4433981" cy="4433966"/>
+          <a:xfrm rot="2700000">
+            <a:off x="11788943" y="6333474"/>
+            <a:ext cx="527486" cy="603188"/>
           </a:xfrm>
-          <a:prstGeom prst="ellipse">
+          <a:custGeom>
             <a:avLst/>
-          </a:prstGeom>
+            <a:gdLst>
+              <a:gd name="connsiteX0" fmla="*/ 110516 w 889463"/>
+              <a:gd name="connsiteY0" fmla="*/ 95275 h 1017114"/>
+              <a:gd name="connsiteX1" fmla="*/ 230452 w 889463"/>
+              <a:gd name="connsiteY1" fmla="*/ 14411 h 1017114"/>
+              <a:gd name="connsiteX2" fmla="*/ 276877 w 889463"/>
+              <a:gd name="connsiteY2" fmla="*/ 0 h 1017114"/>
+              <a:gd name="connsiteX3" fmla="*/ 889463 w 889463"/>
+              <a:gd name="connsiteY3" fmla="*/ 612585 h 1017114"/>
+              <a:gd name="connsiteX4" fmla="*/ 484934 w 889463"/>
+              <a:gd name="connsiteY4" fmla="*/ 1017114 h 1017114"/>
+              <a:gd name="connsiteX5" fmla="*/ 377324 w 889463"/>
+              <a:gd name="connsiteY5" fmla="*/ 1017114 h 1017114"/>
+              <a:gd name="connsiteX6" fmla="*/ 0 w 889463"/>
+              <a:gd name="connsiteY6" fmla="*/ 639790 h 1017114"/>
+              <a:gd name="connsiteX7" fmla="*/ 0 w 889463"/>
+              <a:gd name="connsiteY7" fmla="*/ 362083 h 1017114"/>
+              <a:gd name="connsiteX8" fmla="*/ 110516 w 889463"/>
+              <a:gd name="connsiteY8" fmla="*/ 95275 h 1017114"/>
+            </a:gdLst>
+            <a:ahLst/>
+            <a:cxnLst>
+              <a:cxn ang="0">
+                <a:pos x="connsiteX0" y="connsiteY0"/>
+              </a:cxn>
+              <a:cxn ang="0">
+                <a:pos x="connsiteX1" y="connsiteY1"/>
+              </a:cxn>
+              <a:cxn ang="0">
+                <a:pos x="connsiteX2" y="connsiteY2"/>
+              </a:cxn>
+              <a:cxn ang="0">
+                <a:pos x="connsiteX3" y="connsiteY3"/>
+              </a:cxn>
+              <a:cxn ang="0">
+                <a:pos x="connsiteX4" y="connsiteY4"/>
+              </a:cxn>
+              <a:cxn ang="0">
+                <a:pos x="connsiteX5" y="connsiteY5"/>
+              </a:cxn>
+              <a:cxn ang="0">
+                <a:pos x="connsiteX6" y="connsiteY6"/>
+              </a:cxn>
+              <a:cxn ang="0">
+                <a:pos x="connsiteX7" y="connsiteY7"/>
+              </a:cxn>
+              <a:cxn ang="0">
+                <a:pos x="connsiteX8" y="connsiteY8"/>
+              </a:cxn>
+            </a:cxnLst>
+            <a:rect l="l" t="t" r="r" b="b"/>
+            <a:pathLst>
+              <a:path w="889463" h="1017114">
+                <a:moveTo>
+                  <a:pt x="110516" y="95275"/>
+                </a:moveTo>
+                <a:cubicBezTo>
+                  <a:pt x="144657" y="61133"/>
+                  <a:pt x="185310" y="33504"/>
+                  <a:pt x="230452" y="14411"/>
+                </a:cubicBezTo>
+                <a:lnTo>
+                  <a:pt x="276877" y="0"/>
+                </a:lnTo>
+                <a:lnTo>
+                  <a:pt x="889463" y="612585"/>
+                </a:lnTo>
+                <a:lnTo>
+                  <a:pt x="484934" y="1017114"/>
+                </a:lnTo>
+                <a:lnTo>
+                  <a:pt x="377324" y="1017114"/>
+                </a:lnTo>
+                <a:cubicBezTo>
+                  <a:pt x="168934" y="1017114"/>
+                  <a:pt x="0" y="848180"/>
+                  <a:pt x="0" y="639790"/>
+                </a:cubicBezTo>
+                <a:lnTo>
+                  <a:pt x="0" y="362083"/>
+                </a:lnTo>
+                <a:cubicBezTo>
+                  <a:pt x="0" y="257888"/>
+                  <a:pt x="42234" y="163556"/>
+                  <a:pt x="110516" y="95275"/>
+                </a:cubicBezTo>
+                <a:close/>
+              </a:path>
+            </a:pathLst>
+          </a:custGeom>
           <a:solidFill>
-            <a:schemeClr val="bg1">
-              <a:alpha val="30%"/>
+            <a:schemeClr val="tx1">
+              <a:lumMod val="50%"/>
+              <a:lumOff val="50%"/>
             </a:schemeClr>
           </a:solidFill>
           <a:ln>
@@ -7169,13 +8595,15 @@
           </a:fontRef>
         </p:style>
         <p:txBody>
-          <a:bodyPr rtlCol="0" anchor="ctr"/>
+          <a:bodyPr wrap="square" rtlCol="0" anchor="ctr">
+            <a:noAutofit/>
+          </a:bodyPr>
           <a:lstStyle/>
           <a:p>
             <a:pPr algn="ctr" rtl="0"/>
             <a:endParaRPr lang="it-IT" dirty="0">
               <a:solidFill>
-                <a:schemeClr val="bg1"/>
+                <a:srgbClr val="98A3AD"/>
               </a:solidFill>
             </a:endParaRPr>
           </a:p>
@@ -7183,14 +8611,20 @@
       </p:sp>
       <p:sp>
         <p:nvSpPr>
-          <p:cNvPr id="13" name="Casella di testo 12"/>
+          <p:cNvPr id="33" name="Casella di testo 32">
+            <a:extLst>
+              <a:ext uri="{FF2B5EF4-FFF2-40B4-BE49-F238E27FC236}">
+                <a16:creationId xmlns:a16="http://schemas.microsoft.com/office/drawing/2014/main" id="{5C7F3CEE-E6DF-48C0-8B9A-22A03DF4C29B}"/>
+              </a:ext>
+            </a:extLst>
+          </p:cNvPr>
           <p:cNvSpPr txBox="1"/>
           <p:nvPr/>
         </p:nvSpPr>
         <p:spPr>
           <a:xfrm>
-            <a:off x="5030805" y="3059668"/>
-            <a:ext cx="2130390" cy="738664"/>
+            <a:off x="11907454" y="6481180"/>
+            <a:ext cx="277640" cy="307777"/>
           </a:xfrm>
           <a:prstGeom prst="rect">
             <a:avLst/>
@@ -7198,35 +8632,292 @@
           <a:noFill/>
         </p:spPr>
         <p:txBody>
-          <a:bodyPr wrap="none" lIns="0" tIns="0" rIns="0" bIns="0" rtlCol="0">
+          <a:bodyPr wrap="none" rtlCol="0">
             <a:spAutoFit/>
           </a:bodyPr>
           <a:lstStyle/>
           <a:p>
-            <a:pPr algn="ctr" rtl="0">
-              <a:tabLst>
-                <a:tab pos="347663" algn="l"/>
-              </a:tabLst>
-            </a:pPr>
-            <a:r>
-              <a:rPr lang="it-IT" sz="4800" b="1" dirty="0">
+            <a:pPr rtl="0"/>
+            <a:r>
+              <a:rPr lang="it-IT" sz="1400" b="1" dirty="0">
                 <a:solidFill>
-                  <a:srgbClr val="FFFFFF"/>
+                  <a:schemeClr val="bg1"/>
                 </a:solidFill>
-                <a:latin typeface="+mj-lt"/>
               </a:rPr>
-              <a:t>GRAZIE</a:t>
-            </a:r>
+              <a:t>5</a:t>
+            </a:r>
+          </a:p>
+        </p:txBody>
+      </p:sp>
+      <p:sp>
+        <p:nvSpPr>
+          <p:cNvPr id="2" name="Titolo 1" hidden="1">
+            <a:extLst>
+              <a:ext uri="{FF2B5EF4-FFF2-40B4-BE49-F238E27FC236}">
+                <a16:creationId xmlns:a16="http://schemas.microsoft.com/office/drawing/2014/main" id="{57154957-68AB-414D-8F5B-A49D3A2612B1}"/>
+              </a:ext>
+            </a:extLst>
+          </p:cNvPr>
+          <p:cNvSpPr>
+            <a:spLocks noGrp="1"/>
+          </p:cNvSpPr>
+          <p:nvPr>
+            <p:ph type="title"/>
+          </p:nvPr>
+        </p:nvSpPr>
+        <p:spPr/>
+        <p:txBody>
+          <a:bodyPr rtlCol="0"/>
+          <a:lstStyle/>
+          <a:p>
+            <a:pPr rtl="0"/>
+            <a:r>
+              <a:rPr lang="it-IT" dirty="0"/>
+              <a:t>Diapositiva 2</a:t>
+            </a:r>
+          </a:p>
+        </p:txBody>
+      </p:sp>
+      <p:sp>
+        <p:nvSpPr>
+          <p:cNvPr id="5" name="CasellaDiTesto 4">
+            <a:extLst>
+              <a:ext uri="{FF2B5EF4-FFF2-40B4-BE49-F238E27FC236}">
+                <a16:creationId xmlns:a16="http://schemas.microsoft.com/office/drawing/2014/main" id="{63B3AABB-1750-4184-B7E4-418BAA96E670}"/>
+              </a:ext>
+            </a:extLst>
+          </p:cNvPr>
+          <p:cNvSpPr txBox="1"/>
+          <p:nvPr/>
+        </p:nvSpPr>
+        <p:spPr>
+          <a:xfrm>
+            <a:off x="1526960" y="793181"/>
+            <a:ext cx="2130640" cy="369332"/>
+          </a:xfrm>
+          <a:prstGeom prst="rect">
+            <a:avLst/>
+          </a:prstGeom>
+          <a:noFill/>
+        </p:spPr>
+        <p:txBody>
+          <a:bodyPr wrap="square" rtlCol="0">
+            <a:spAutoFit/>
+          </a:bodyPr>
+          <a:lstStyle/>
+          <a:p>
+            <a:r>
+              <a:rPr lang="it-IT" dirty="0">
+                <a:latin typeface="Calibri" panose="020F0502020204030204" pitchFamily="34" charset="0"/>
+                <a:cs typeface="Calibri" panose="020F0502020204030204" pitchFamily="34" charset="0"/>
+              </a:rPr>
+              <a:t>College + </a:t>
+            </a:r>
+            <a:r>
+              <a:rPr lang="it-IT" dirty="0" err="1">
+                <a:latin typeface="Calibri" panose="020F0502020204030204" pitchFamily="34" charset="0"/>
+                <a:cs typeface="Calibri" panose="020F0502020204030204" pitchFamily="34" charset="0"/>
+              </a:rPr>
+              <a:t>Footbridge</a:t>
+            </a:r>
+            <a:endParaRPr lang="it-IT" dirty="0">
+              <a:latin typeface="Calibri" panose="020F0502020204030204" pitchFamily="34" charset="0"/>
+              <a:cs typeface="Calibri" panose="020F0502020204030204" pitchFamily="34" charset="0"/>
+            </a:endParaRPr>
           </a:p>
         </p:txBody>
       </p:sp>
       <p:pic>
         <p:nvPicPr>
-          <p:cNvPr id="10" name="Immagine 9" descr="Questa è un'icona con scritto &quot;24Diapositive&quot;.">
-            <a:hlinkClick r:id="rId4"/>
+          <p:cNvPr id="8" name="Immagine 7">
             <a:extLst>
               <a:ext uri="{FF2B5EF4-FFF2-40B4-BE49-F238E27FC236}">
-                <a16:creationId xmlns:a16="http://schemas.microsoft.com/office/drawing/2014/main" id="{E88D3554-2B38-7045-B778-76FB3465B801}"/>
+                <a16:creationId xmlns:a16="http://schemas.microsoft.com/office/drawing/2014/main" id="{2C647A6F-B0E6-4F6C-A73D-BE65BBAB1C37}"/>
+              </a:ext>
+            </a:extLst>
+          </p:cNvPr>
+          <p:cNvPicPr>
+            <a:picLocks noChangeAspect="1"/>
+          </p:cNvPicPr>
+          <p:nvPr/>
+        </p:nvPicPr>
+        <p:blipFill>
+          <a:blip r:embed="rId3"/>
+          <a:stretch>
+            <a:fillRect/>
+          </a:stretch>
+        </p:blipFill>
+        <p:spPr>
+          <a:xfrm>
+            <a:off x="8016535" y="1297871"/>
+            <a:ext cx="2130641" cy="2135365"/>
+          </a:xfrm>
+          <a:prstGeom prst="rect">
+            <a:avLst/>
+          </a:prstGeom>
+        </p:spPr>
+      </p:pic>
+      <p:sp>
+        <p:nvSpPr>
+          <p:cNvPr id="17" name="CasellaDiTesto 16">
+            <a:extLst>
+              <a:ext uri="{FF2B5EF4-FFF2-40B4-BE49-F238E27FC236}">
+                <a16:creationId xmlns:a16="http://schemas.microsoft.com/office/drawing/2014/main" id="{D44B3F34-0547-48B9-8D46-768F2AB3B4D9}"/>
+              </a:ext>
+            </a:extLst>
+          </p:cNvPr>
+          <p:cNvSpPr txBox="1"/>
+          <p:nvPr/>
+        </p:nvSpPr>
+        <p:spPr>
+          <a:xfrm>
+            <a:off x="7741328" y="768278"/>
+            <a:ext cx="2485748" cy="369332"/>
+          </a:xfrm>
+          <a:prstGeom prst="rect">
+            <a:avLst/>
+          </a:prstGeom>
+          <a:noFill/>
+        </p:spPr>
+        <p:txBody>
+          <a:bodyPr wrap="square" rtlCol="0">
+            <a:spAutoFit/>
+          </a:bodyPr>
+          <a:lstStyle/>
+          <a:p>
+            <a:r>
+              <a:rPr lang="it-IT" dirty="0">
+                <a:latin typeface="Calibri" panose="020F0502020204030204" pitchFamily="34" charset="0"/>
+                <a:cs typeface="Calibri" panose="020F0502020204030204" pitchFamily="34" charset="0"/>
+              </a:rPr>
+              <a:t>No College + </a:t>
+            </a:r>
+            <a:r>
+              <a:rPr lang="it-IT" dirty="0" err="1">
+                <a:latin typeface="Calibri" panose="020F0502020204030204" pitchFamily="34" charset="0"/>
+                <a:cs typeface="Calibri" panose="020F0502020204030204" pitchFamily="34" charset="0"/>
+              </a:rPr>
+              <a:t>Footbridge</a:t>
+            </a:r>
+            <a:endParaRPr lang="it-IT" dirty="0">
+              <a:latin typeface="Calibri" panose="020F0502020204030204" pitchFamily="34" charset="0"/>
+              <a:cs typeface="Calibri" panose="020F0502020204030204" pitchFamily="34" charset="0"/>
+            </a:endParaRPr>
+          </a:p>
+        </p:txBody>
+      </p:sp>
+      <p:pic>
+        <p:nvPicPr>
+          <p:cNvPr id="10" name="Immagine 9">
+            <a:extLst>
+              <a:ext uri="{FF2B5EF4-FFF2-40B4-BE49-F238E27FC236}">
+                <a16:creationId xmlns:a16="http://schemas.microsoft.com/office/drawing/2014/main" id="{78140F56-45B4-4A0D-8EF0-312A53FE1157}"/>
+              </a:ext>
+            </a:extLst>
+          </p:cNvPr>
+          <p:cNvPicPr>
+            <a:picLocks noChangeAspect="1"/>
+          </p:cNvPicPr>
+          <p:nvPr/>
+        </p:nvPicPr>
+        <p:blipFill>
+          <a:blip r:embed="rId4"/>
+          <a:stretch>
+            <a:fillRect/>
+          </a:stretch>
+        </p:blipFill>
+        <p:spPr>
+          <a:xfrm>
+            <a:off x="1512301" y="4069047"/>
+            <a:ext cx="2349486" cy="2241410"/>
+          </a:xfrm>
+          <a:prstGeom prst="rect">
+            <a:avLst/>
+          </a:prstGeom>
+        </p:spPr>
+      </p:pic>
+      <p:sp>
+        <p:nvSpPr>
+          <p:cNvPr id="19" name="CasellaDiTesto 18">
+            <a:extLst>
+              <a:ext uri="{FF2B5EF4-FFF2-40B4-BE49-F238E27FC236}">
+                <a16:creationId xmlns:a16="http://schemas.microsoft.com/office/drawing/2014/main" id="{52977BE3-D752-49DA-B9EC-6723A61940C1}"/>
+              </a:ext>
+            </a:extLst>
+          </p:cNvPr>
+          <p:cNvSpPr txBox="1"/>
+          <p:nvPr/>
+        </p:nvSpPr>
+        <p:spPr>
+          <a:xfrm>
+            <a:off x="1629053" y="3692568"/>
+            <a:ext cx="2334826" cy="369332"/>
+          </a:xfrm>
+          <a:prstGeom prst="rect">
+            <a:avLst/>
+          </a:prstGeom>
+          <a:noFill/>
+        </p:spPr>
+        <p:txBody>
+          <a:bodyPr wrap="square" rtlCol="0">
+            <a:spAutoFit/>
+          </a:bodyPr>
+          <a:lstStyle/>
+          <a:p>
+            <a:r>
+              <a:rPr lang="it-IT" dirty="0">
+                <a:latin typeface="Calibri" panose="020F0502020204030204" pitchFamily="34" charset="0"/>
+                <a:cs typeface="Calibri" panose="020F0502020204030204" pitchFamily="34" charset="0"/>
+              </a:rPr>
+              <a:t>College + Loop/Switch</a:t>
+            </a:r>
+          </a:p>
+        </p:txBody>
+      </p:sp>
+      <p:sp>
+        <p:nvSpPr>
+          <p:cNvPr id="21" name="CasellaDiTesto 20">
+            <a:extLst>
+              <a:ext uri="{FF2B5EF4-FFF2-40B4-BE49-F238E27FC236}">
+                <a16:creationId xmlns:a16="http://schemas.microsoft.com/office/drawing/2014/main" id="{CE878466-A242-41B7-82A9-DBC4329C540B}"/>
+              </a:ext>
+            </a:extLst>
+          </p:cNvPr>
+          <p:cNvSpPr txBox="1"/>
+          <p:nvPr/>
+        </p:nvSpPr>
+        <p:spPr>
+          <a:xfrm>
+            <a:off x="7899783" y="3692568"/>
+            <a:ext cx="2663164" cy="369332"/>
+          </a:xfrm>
+          <a:prstGeom prst="rect">
+            <a:avLst/>
+          </a:prstGeom>
+          <a:noFill/>
+        </p:spPr>
+        <p:txBody>
+          <a:bodyPr wrap="square" rtlCol="0">
+            <a:spAutoFit/>
+          </a:bodyPr>
+          <a:lstStyle/>
+          <a:p>
+            <a:r>
+              <a:rPr lang="it-IT" dirty="0">
+                <a:latin typeface="Calibri" panose="020F0502020204030204" pitchFamily="34" charset="0"/>
+                <a:cs typeface="Calibri" panose="020F0502020204030204" pitchFamily="34" charset="0"/>
+              </a:rPr>
+              <a:t>No College + Loop/Switch</a:t>
+            </a:r>
+          </a:p>
+        </p:txBody>
+      </p:sp>
+      <p:pic>
+        <p:nvPicPr>
+          <p:cNvPr id="13" name="Immagine 12">
+            <a:extLst>
+              <a:ext uri="{FF2B5EF4-FFF2-40B4-BE49-F238E27FC236}">
+                <a16:creationId xmlns:a16="http://schemas.microsoft.com/office/drawing/2014/main" id="{7EA16B19-7B9D-4FA5-ADCF-459D6765F927}"/>
               </a:ext>
             </a:extLst>
           </p:cNvPr>
@@ -7243,21 +8934,441 @@
         </p:blipFill>
         <p:spPr>
           <a:xfrm>
-            <a:off x="5581650" y="6336441"/>
-            <a:ext cx="1028700" cy="293902"/>
+            <a:off x="8138946" y="4083225"/>
+            <a:ext cx="2184837" cy="2152089"/>
           </a:xfrm>
           <a:prstGeom prst="rect">
             <a:avLst/>
           </a:prstGeom>
-          <a:effectLst/>
         </p:spPr>
       </p:pic>
+      <p:pic>
+        <p:nvPicPr>
+          <p:cNvPr id="15" name="Immagine 14">
+            <a:extLst>
+              <a:ext uri="{FF2B5EF4-FFF2-40B4-BE49-F238E27FC236}">
+                <a16:creationId xmlns:a16="http://schemas.microsoft.com/office/drawing/2014/main" id="{C594D888-F769-416D-886E-57AABC51DB8B}"/>
+              </a:ext>
+            </a:extLst>
+          </p:cNvPr>
+          <p:cNvPicPr>
+            <a:picLocks noChangeAspect="1"/>
+          </p:cNvPicPr>
+          <p:nvPr/>
+        </p:nvPicPr>
+        <p:blipFill>
+          <a:blip r:embed="rId6"/>
+          <a:stretch>
+            <a:fillRect/>
+          </a:stretch>
+        </p:blipFill>
+        <p:spPr>
+          <a:xfrm>
+            <a:off x="3657600" y="1335600"/>
+            <a:ext cx="1135478" cy="403895"/>
+          </a:xfrm>
+          <a:prstGeom prst="rect">
+            <a:avLst/>
+          </a:prstGeom>
+        </p:spPr>
+      </p:pic>
+      <p:pic>
+        <p:nvPicPr>
+          <p:cNvPr id="23" name="Immagine 22">
+            <a:extLst>
+              <a:ext uri="{FF2B5EF4-FFF2-40B4-BE49-F238E27FC236}">
+                <a16:creationId xmlns:a16="http://schemas.microsoft.com/office/drawing/2014/main" id="{844CB581-451B-4445-9912-6ECFB86AC816}"/>
+              </a:ext>
+            </a:extLst>
+          </p:cNvPr>
+          <p:cNvPicPr>
+            <a:picLocks noChangeAspect="1"/>
+          </p:cNvPicPr>
+          <p:nvPr/>
+        </p:nvPicPr>
+        <p:blipFill>
+          <a:blip r:embed="rId6"/>
+          <a:stretch>
+            <a:fillRect/>
+          </a:stretch>
+        </p:blipFill>
+        <p:spPr>
+          <a:xfrm>
+            <a:off x="3657600" y="4354320"/>
+            <a:ext cx="1135478" cy="403895"/>
+          </a:xfrm>
+          <a:prstGeom prst="rect">
+            <a:avLst/>
+          </a:prstGeom>
+        </p:spPr>
+      </p:pic>
+      <p:pic>
+        <p:nvPicPr>
+          <p:cNvPr id="25" name="Immagine 24">
+            <a:extLst>
+              <a:ext uri="{FF2B5EF4-FFF2-40B4-BE49-F238E27FC236}">
+                <a16:creationId xmlns:a16="http://schemas.microsoft.com/office/drawing/2014/main" id="{D2BB0F26-840B-4F55-A2F4-2C56076934F5}"/>
+              </a:ext>
+            </a:extLst>
+          </p:cNvPr>
+          <p:cNvPicPr>
+            <a:picLocks noChangeAspect="1"/>
+          </p:cNvPicPr>
+          <p:nvPr/>
+        </p:nvPicPr>
+        <p:blipFill>
+          <a:blip r:embed="rId6"/>
+          <a:stretch>
+            <a:fillRect/>
+          </a:stretch>
+        </p:blipFill>
+        <p:spPr>
+          <a:xfrm>
+            <a:off x="10147176" y="1297871"/>
+            <a:ext cx="1135478" cy="403895"/>
+          </a:xfrm>
+          <a:prstGeom prst="rect">
+            <a:avLst/>
+          </a:prstGeom>
+        </p:spPr>
+      </p:pic>
+      <p:pic>
+        <p:nvPicPr>
+          <p:cNvPr id="27" name="Immagine 26">
+            <a:extLst>
+              <a:ext uri="{FF2B5EF4-FFF2-40B4-BE49-F238E27FC236}">
+                <a16:creationId xmlns:a16="http://schemas.microsoft.com/office/drawing/2014/main" id="{C9833B58-EB36-430C-8F35-E9631BFADEF2}"/>
+              </a:ext>
+            </a:extLst>
+          </p:cNvPr>
+          <p:cNvPicPr>
+            <a:picLocks noChangeAspect="1"/>
+          </p:cNvPicPr>
+          <p:nvPr/>
+        </p:nvPicPr>
+        <p:blipFill>
+          <a:blip r:embed="rId6"/>
+          <a:stretch>
+            <a:fillRect/>
+          </a:stretch>
+        </p:blipFill>
+        <p:spPr>
+          <a:xfrm>
+            <a:off x="10227076" y="4083225"/>
+            <a:ext cx="1135478" cy="403895"/>
+          </a:xfrm>
+          <a:prstGeom prst="rect">
+            <a:avLst/>
+          </a:prstGeom>
+        </p:spPr>
+      </p:pic>
+      <p:pic>
+        <p:nvPicPr>
+          <p:cNvPr id="29" name="Immagine 28">
+            <a:extLst>
+              <a:ext uri="{FF2B5EF4-FFF2-40B4-BE49-F238E27FC236}">
+                <a16:creationId xmlns:a16="http://schemas.microsoft.com/office/drawing/2014/main" id="{2AB69D44-078D-4036-872C-BFC92C130E09}"/>
+              </a:ext>
+            </a:extLst>
+          </p:cNvPr>
+          <p:cNvPicPr>
+            <a:picLocks noChangeAspect="1"/>
+          </p:cNvPicPr>
+          <p:nvPr/>
+        </p:nvPicPr>
+        <p:blipFill>
+          <a:blip r:embed="rId7"/>
+          <a:stretch>
+            <a:fillRect/>
+          </a:stretch>
+        </p:blipFill>
+        <p:spPr>
+          <a:xfrm>
+            <a:off x="1476946" y="1297870"/>
+            <a:ext cx="2106379" cy="2135365"/>
+          </a:xfrm>
+          <a:prstGeom prst="rect">
+            <a:avLst/>
+          </a:prstGeom>
+        </p:spPr>
+      </p:pic>
+    </p:spTree>
+    <p:extLst>
+      <p:ext uri="{BB962C8B-B14F-4D97-AF65-F5344CB8AC3E}">
+        <p14:creationId xmlns:p14="http://schemas.microsoft.com/office/powerpoint/2010/main" val="4023156737"/>
+      </p:ext>
+    </p:extLst>
+  </p:cSld>
+  <p:clrMapOvr>
+    <a:masterClrMapping/>
+  </p:clrMapOvr>
+</p:sld>
+</file>
+
+<file path=ppt/slides/slide8.xml><?xml version="1.0" encoding="utf-8"?>
+<p:sld xmlns:a="http://purl.oclc.org/ooxml/drawingml/main" xmlns:r="http://purl.oclc.org/ooxml/officeDocument/relationships" xmlns:p="http://purl.oclc.org/ooxml/presentationml/main">
+  <p:cSld>
+    <p:spTree>
+      <p:nvGrpSpPr>
+        <p:cNvPr id="1" name=""/>
+        <p:cNvGrpSpPr/>
+        <p:nvPr/>
+      </p:nvGrpSpPr>
+      <p:grpSpPr>
+        <a:xfrm>
+          <a:off x="0" y="0"/>
+          <a:ext cx="0" cy="0"/>
+          <a:chOff x="0" y="0"/>
+          <a:chExt cx="0" cy="0"/>
+        </a:xfrm>
+      </p:grpSpPr>
+      <p:sp>
+        <p:nvSpPr>
+          <p:cNvPr id="110" name="Casella di testo 109"/>
+          <p:cNvSpPr txBox="1"/>
+          <p:nvPr/>
+        </p:nvSpPr>
+        <p:spPr>
+          <a:xfrm>
+            <a:off x="2410727" y="165381"/>
+            <a:ext cx="7370607" cy="492443"/>
+          </a:xfrm>
+          <a:prstGeom prst="rect">
+            <a:avLst/>
+          </a:prstGeom>
+          <a:noFill/>
+        </p:spPr>
+        <p:txBody>
+          <a:bodyPr wrap="none" lIns="0" tIns="0" rIns="0" bIns="0" rtlCol="0">
+            <a:spAutoFit/>
+          </a:bodyPr>
+          <a:lstStyle/>
+          <a:p>
+            <a:pPr algn="ctr" rtl="0">
+              <a:tabLst>
+                <a:tab pos="347663" algn="l"/>
+              </a:tabLst>
+            </a:pPr>
+            <a:r>
+              <a:rPr lang="it-IT" sz="3200" b="1">
+                <a:solidFill>
+                  <a:srgbClr val="30353F"/>
+                </a:solidFill>
+                <a:latin typeface="+mj-lt"/>
+              </a:rPr>
+              <a:t>Intervento </a:t>
+            </a:r>
+            <a:r>
+              <a:rPr lang="it-IT" sz="3200" b="1" dirty="0">
+                <a:solidFill>
+                  <a:srgbClr val="30353F"/>
+                </a:solidFill>
+                <a:latin typeface="+mj-lt"/>
+              </a:rPr>
+              <a:t>in relazione al continente </a:t>
+            </a:r>
+          </a:p>
+        </p:txBody>
+      </p:sp>
+      <p:sp>
+        <p:nvSpPr>
+          <p:cNvPr id="30" name="Figura a mano libera 19">
+            <a:extLst>
+              <a:ext uri="{FF2B5EF4-FFF2-40B4-BE49-F238E27FC236}">
+                <a16:creationId xmlns:a16="http://schemas.microsoft.com/office/drawing/2014/main" id="{189E3C56-F900-44E7-BF74-7509E4A585C5}"/>
+              </a:ext>
+              <a:ext uri="{C183D7F6-B498-43B3-948B-1728B52AA6E4}">
+                <adec:decorative xmlns:adec="http://schemas.microsoft.com/office/drawing/2017/decorative" val="1"/>
+              </a:ext>
+            </a:extLst>
+          </p:cNvPr>
+          <p:cNvSpPr/>
+          <p:nvPr/>
+        </p:nvSpPr>
+        <p:spPr>
+          <a:xfrm rot="2700000">
+            <a:off x="11788943" y="6333474"/>
+            <a:ext cx="527486" cy="603188"/>
+          </a:xfrm>
+          <a:custGeom>
+            <a:avLst/>
+            <a:gdLst>
+              <a:gd name="connsiteX0" fmla="*/ 110516 w 889463"/>
+              <a:gd name="connsiteY0" fmla="*/ 95275 h 1017114"/>
+              <a:gd name="connsiteX1" fmla="*/ 230452 w 889463"/>
+              <a:gd name="connsiteY1" fmla="*/ 14411 h 1017114"/>
+              <a:gd name="connsiteX2" fmla="*/ 276877 w 889463"/>
+              <a:gd name="connsiteY2" fmla="*/ 0 h 1017114"/>
+              <a:gd name="connsiteX3" fmla="*/ 889463 w 889463"/>
+              <a:gd name="connsiteY3" fmla="*/ 612585 h 1017114"/>
+              <a:gd name="connsiteX4" fmla="*/ 484934 w 889463"/>
+              <a:gd name="connsiteY4" fmla="*/ 1017114 h 1017114"/>
+              <a:gd name="connsiteX5" fmla="*/ 377324 w 889463"/>
+              <a:gd name="connsiteY5" fmla="*/ 1017114 h 1017114"/>
+              <a:gd name="connsiteX6" fmla="*/ 0 w 889463"/>
+              <a:gd name="connsiteY6" fmla="*/ 639790 h 1017114"/>
+              <a:gd name="connsiteX7" fmla="*/ 0 w 889463"/>
+              <a:gd name="connsiteY7" fmla="*/ 362083 h 1017114"/>
+              <a:gd name="connsiteX8" fmla="*/ 110516 w 889463"/>
+              <a:gd name="connsiteY8" fmla="*/ 95275 h 1017114"/>
+            </a:gdLst>
+            <a:ahLst/>
+            <a:cxnLst>
+              <a:cxn ang="0">
+                <a:pos x="connsiteX0" y="connsiteY0"/>
+              </a:cxn>
+              <a:cxn ang="0">
+                <a:pos x="connsiteX1" y="connsiteY1"/>
+              </a:cxn>
+              <a:cxn ang="0">
+                <a:pos x="connsiteX2" y="connsiteY2"/>
+              </a:cxn>
+              <a:cxn ang="0">
+                <a:pos x="connsiteX3" y="connsiteY3"/>
+              </a:cxn>
+              <a:cxn ang="0">
+                <a:pos x="connsiteX4" y="connsiteY4"/>
+              </a:cxn>
+              <a:cxn ang="0">
+                <a:pos x="connsiteX5" y="connsiteY5"/>
+              </a:cxn>
+              <a:cxn ang="0">
+                <a:pos x="connsiteX6" y="connsiteY6"/>
+              </a:cxn>
+              <a:cxn ang="0">
+                <a:pos x="connsiteX7" y="connsiteY7"/>
+              </a:cxn>
+              <a:cxn ang="0">
+                <a:pos x="connsiteX8" y="connsiteY8"/>
+              </a:cxn>
+            </a:cxnLst>
+            <a:rect l="l" t="t" r="r" b="b"/>
+            <a:pathLst>
+              <a:path w="889463" h="1017114">
+                <a:moveTo>
+                  <a:pt x="110516" y="95275"/>
+                </a:moveTo>
+                <a:cubicBezTo>
+                  <a:pt x="144657" y="61133"/>
+                  <a:pt x="185310" y="33504"/>
+                  <a:pt x="230452" y="14411"/>
+                </a:cubicBezTo>
+                <a:lnTo>
+                  <a:pt x="276877" y="0"/>
+                </a:lnTo>
+                <a:lnTo>
+                  <a:pt x="889463" y="612585"/>
+                </a:lnTo>
+                <a:lnTo>
+                  <a:pt x="484934" y="1017114"/>
+                </a:lnTo>
+                <a:lnTo>
+                  <a:pt x="377324" y="1017114"/>
+                </a:lnTo>
+                <a:cubicBezTo>
+                  <a:pt x="168934" y="1017114"/>
+                  <a:pt x="0" y="848180"/>
+                  <a:pt x="0" y="639790"/>
+                </a:cubicBezTo>
+                <a:lnTo>
+                  <a:pt x="0" y="362083"/>
+                </a:lnTo>
+                <a:cubicBezTo>
+                  <a:pt x="0" y="257888"/>
+                  <a:pt x="42234" y="163556"/>
+                  <a:pt x="110516" y="95275"/>
+                </a:cubicBezTo>
+                <a:close/>
+              </a:path>
+            </a:pathLst>
+          </a:custGeom>
+          <a:solidFill>
+            <a:schemeClr val="tx1">
+              <a:lumMod val="50%"/>
+              <a:lumOff val="50%"/>
+            </a:schemeClr>
+          </a:solidFill>
+          <a:ln>
+            <a:noFill/>
+          </a:ln>
+        </p:spPr>
+        <p:style>
+          <a:lnRef idx="2">
+            <a:schemeClr val="accent1">
+              <a:shade val="50%"/>
+            </a:schemeClr>
+          </a:lnRef>
+          <a:fillRef idx="1">
+            <a:schemeClr val="accent1"/>
+          </a:fillRef>
+          <a:effectRef idx="0">
+            <a:schemeClr val="accent1"/>
+          </a:effectRef>
+          <a:fontRef idx="minor">
+            <a:schemeClr val="lt1"/>
+          </a:fontRef>
+        </p:style>
+        <p:txBody>
+          <a:bodyPr wrap="square" rtlCol="0" anchor="ctr">
+            <a:noAutofit/>
+          </a:bodyPr>
+          <a:lstStyle/>
+          <a:p>
+            <a:pPr algn="ctr" rtl="0"/>
+            <a:endParaRPr lang="it-IT" dirty="0">
+              <a:solidFill>
+                <a:srgbClr val="98A3AD"/>
+              </a:solidFill>
+            </a:endParaRPr>
+          </a:p>
+        </p:txBody>
+      </p:sp>
+      <p:sp>
+        <p:nvSpPr>
+          <p:cNvPr id="33" name="Casella di testo 32">
+            <a:extLst>
+              <a:ext uri="{FF2B5EF4-FFF2-40B4-BE49-F238E27FC236}">
+                <a16:creationId xmlns:a16="http://schemas.microsoft.com/office/drawing/2014/main" id="{5C7F3CEE-E6DF-48C0-8B9A-22A03DF4C29B}"/>
+              </a:ext>
+            </a:extLst>
+          </p:cNvPr>
+          <p:cNvSpPr txBox="1"/>
+          <p:nvPr/>
+        </p:nvSpPr>
+        <p:spPr>
+          <a:xfrm>
+            <a:off x="11907454" y="6481180"/>
+            <a:ext cx="277640" cy="307777"/>
+          </a:xfrm>
+          <a:prstGeom prst="rect">
+            <a:avLst/>
+          </a:prstGeom>
+          <a:noFill/>
+        </p:spPr>
+        <p:txBody>
+          <a:bodyPr wrap="none" rtlCol="0">
+            <a:spAutoFit/>
+          </a:bodyPr>
+          <a:lstStyle/>
+          <a:p>
+            <a:pPr rtl="0"/>
+            <a:r>
+              <a:rPr lang="it-IT" sz="1400" b="1" dirty="0">
+                <a:solidFill>
+                  <a:schemeClr val="bg1"/>
+                </a:solidFill>
+              </a:rPr>
+              <a:t>6</a:t>
+            </a:r>
+          </a:p>
+        </p:txBody>
+      </p:sp>
       <p:sp>
         <p:nvSpPr>
           <p:cNvPr id="2" name="Titolo 1" hidden="1">
             <a:extLst>
               <a:ext uri="{FF2B5EF4-FFF2-40B4-BE49-F238E27FC236}">
-                <a16:creationId xmlns:a16="http://schemas.microsoft.com/office/drawing/2014/main" id="{10E603A3-B905-4FE4-AF3D-7ABD07598BAD}"/>
+                <a16:creationId xmlns:a16="http://schemas.microsoft.com/office/drawing/2014/main" id="{57154957-68AB-414D-8F5B-A49D3A2612B1}"/>
               </a:ext>
             </a:extLst>
           </p:cNvPr>
@@ -7276,15 +9387,504 @@
             <a:pPr rtl="0"/>
             <a:r>
               <a:rPr lang="it-IT" dirty="0"/>
-              <a:t>Diapositiva 11</a:t>
-            </a:r>
-          </a:p>
-        </p:txBody>
-      </p:sp>
+              <a:t>Diapositiva 2</a:t>
+            </a:r>
+          </a:p>
+        </p:txBody>
+      </p:sp>
+      <p:pic>
+        <p:nvPicPr>
+          <p:cNvPr id="4" name="Immagine 3">
+            <a:extLst>
+              <a:ext uri="{FF2B5EF4-FFF2-40B4-BE49-F238E27FC236}">
+                <a16:creationId xmlns:a16="http://schemas.microsoft.com/office/drawing/2014/main" id="{0C625100-7F6E-49B7-A8B5-9178340F14F5}"/>
+              </a:ext>
+            </a:extLst>
+          </p:cNvPr>
+          <p:cNvPicPr>
+            <a:picLocks noChangeAspect="1"/>
+          </p:cNvPicPr>
+          <p:nvPr/>
+        </p:nvPicPr>
+        <p:blipFill rotWithShape="1">
+          <a:blip r:embed="rId3"/>
+          <a:srcRect l="6.949%" t="22.158%"/>
+          <a:stretch/>
+        </p:blipFill>
+        <p:spPr>
+          <a:xfrm>
+            <a:off x="5149047" y="2195761"/>
+            <a:ext cx="6829428" cy="2978632"/>
+          </a:xfrm>
+          <a:prstGeom prst="rect">
+            <a:avLst/>
+          </a:prstGeom>
+        </p:spPr>
+      </p:pic>
+      <p:pic>
+        <p:nvPicPr>
+          <p:cNvPr id="5" name="Picture 2">
+            <a:extLst>
+              <a:ext uri="{FF2B5EF4-FFF2-40B4-BE49-F238E27FC236}">
+                <a16:creationId xmlns:a16="http://schemas.microsoft.com/office/drawing/2014/main" id="{85DD5F7D-407D-4F0C-93FE-86EA98D16EA8}"/>
+              </a:ext>
+            </a:extLst>
+          </p:cNvPr>
+          <p:cNvPicPr>
+            <a:picLocks noChangeAspect="1" noChangeArrowheads="1"/>
+          </p:cNvPicPr>
+          <p:nvPr/>
+        </p:nvPicPr>
+        <p:blipFill>
+          <a:blip r:embed="rId4">
+            <a:extLst>
+              <a:ext uri="{28A0092B-C50C-407E-A947-70E740481C1C}">
+                <a14:useLocalDpi xmlns:a14="http://schemas.microsoft.com/office/drawing/2010/main" val="0"/>
+              </a:ext>
+            </a:extLst>
+          </a:blip>
+          <a:srcRect/>
+          <a:stretch>
+            <a:fillRect/>
+          </a:stretch>
+        </p:blipFill>
+        <p:spPr bwMode="auto">
+          <a:xfrm>
+            <a:off x="396189" y="2195761"/>
+            <a:ext cx="4681837" cy="3076952"/>
+          </a:xfrm>
+          <a:prstGeom prst="rect">
+            <a:avLst/>
+          </a:prstGeom>
+          <a:noFill/>
+          <a:extLst>
+            <a:ext uri="{909E8E84-426E-40DD-AFC4-6F175D3DCCD1}">
+              <a14:hiddenFill xmlns:a14="http://schemas.microsoft.com/office/drawing/2010/main">
+                <a:solidFill>
+                  <a:srgbClr val="FFFFFF"/>
+                </a:solidFill>
+              </a14:hiddenFill>
+            </a:ext>
+          </a:extLst>
+        </p:spPr>
+      </p:pic>
+      <p:pic>
+        <p:nvPicPr>
+          <p:cNvPr id="7" name="Immagine 6">
+            <a:extLst>
+              <a:ext uri="{FF2B5EF4-FFF2-40B4-BE49-F238E27FC236}">
+                <a16:creationId xmlns:a16="http://schemas.microsoft.com/office/drawing/2014/main" id="{253EA159-6A91-497B-873E-231A262A3F48}"/>
+              </a:ext>
+            </a:extLst>
+          </p:cNvPr>
+          <p:cNvPicPr>
+            <a:picLocks noChangeAspect="1"/>
+          </p:cNvPicPr>
+          <p:nvPr/>
+        </p:nvPicPr>
+        <p:blipFill>
+          <a:blip r:embed="rId5"/>
+          <a:stretch>
+            <a:fillRect/>
+          </a:stretch>
+        </p:blipFill>
+        <p:spPr>
+          <a:xfrm>
+            <a:off x="5298973" y="2066210"/>
+            <a:ext cx="2499577" cy="259102"/>
+          </a:xfrm>
+          <a:prstGeom prst="rect">
+            <a:avLst/>
+          </a:prstGeom>
+        </p:spPr>
+      </p:pic>
     </p:spTree>
     <p:extLst>
       <p:ext uri="{BB962C8B-B14F-4D97-AF65-F5344CB8AC3E}">
-        <p14:creationId xmlns:p14="http://schemas.microsoft.com/office/powerpoint/2010/main" val="3345628227"/>
+        <p14:creationId xmlns:p14="http://schemas.microsoft.com/office/powerpoint/2010/main" val="2857170010"/>
+      </p:ext>
+    </p:extLst>
+  </p:cSld>
+  <p:clrMapOvr>
+    <a:masterClrMapping/>
+  </p:clrMapOvr>
+</p:sld>
+</file>
+
+<file path=ppt/slides/slide9.xml><?xml version="1.0" encoding="utf-8"?>
+<p:sld xmlns:a="http://purl.oclc.org/ooxml/drawingml/main" xmlns:r="http://purl.oclc.org/ooxml/officeDocument/relationships" xmlns:p="http://purl.oclc.org/ooxml/presentationml/main">
+  <p:cSld>
+    <p:spTree>
+      <p:nvGrpSpPr>
+        <p:cNvPr id="1" name=""/>
+        <p:cNvGrpSpPr/>
+        <p:nvPr/>
+      </p:nvGrpSpPr>
+      <p:grpSpPr>
+        <a:xfrm>
+          <a:off x="0" y="0"/>
+          <a:ext cx="0" cy="0"/>
+          <a:chOff x="0" y="0"/>
+          <a:chExt cx="0" cy="0"/>
+        </a:xfrm>
+      </p:grpSpPr>
+      <p:sp>
+        <p:nvSpPr>
+          <p:cNvPr id="110" name="Casella di testo 109"/>
+          <p:cNvSpPr txBox="1"/>
+          <p:nvPr/>
+        </p:nvSpPr>
+        <p:spPr>
+          <a:xfrm>
+            <a:off x="1604432" y="165381"/>
+            <a:ext cx="8983228" cy="492443"/>
+          </a:xfrm>
+          <a:prstGeom prst="rect">
+            <a:avLst/>
+          </a:prstGeom>
+          <a:noFill/>
+        </p:spPr>
+        <p:txBody>
+          <a:bodyPr wrap="none" lIns="0" tIns="0" rIns="0" bIns="0" rtlCol="0">
+            <a:spAutoFit/>
+          </a:bodyPr>
+          <a:lstStyle/>
+          <a:p>
+            <a:pPr algn="ctr" rtl="0">
+              <a:tabLst>
+                <a:tab pos="347663" algn="l"/>
+              </a:tabLst>
+            </a:pPr>
+            <a:r>
+              <a:rPr lang="it-IT" sz="3200" b="1" dirty="0">
+                <a:solidFill>
+                  <a:srgbClr val="30353F"/>
+                </a:solidFill>
+                <a:latin typeface="+mj-lt"/>
+              </a:rPr>
+              <a:t>Relazione tra intervento e la qualità della vita</a:t>
+            </a:r>
+          </a:p>
+        </p:txBody>
+      </p:sp>
+      <p:sp>
+        <p:nvSpPr>
+          <p:cNvPr id="30" name="Figura a mano libera 19">
+            <a:extLst>
+              <a:ext uri="{FF2B5EF4-FFF2-40B4-BE49-F238E27FC236}">
+                <a16:creationId xmlns:a16="http://schemas.microsoft.com/office/drawing/2014/main" id="{189E3C56-F900-44E7-BF74-7509E4A585C5}"/>
+              </a:ext>
+              <a:ext uri="{C183D7F6-B498-43B3-948B-1728B52AA6E4}">
+                <adec:decorative xmlns:adec="http://schemas.microsoft.com/office/drawing/2017/decorative" val="1"/>
+              </a:ext>
+            </a:extLst>
+          </p:cNvPr>
+          <p:cNvSpPr/>
+          <p:nvPr/>
+        </p:nvSpPr>
+        <p:spPr>
+          <a:xfrm rot="2700000">
+            <a:off x="11788943" y="6333474"/>
+            <a:ext cx="527486" cy="603188"/>
+          </a:xfrm>
+          <a:custGeom>
+            <a:avLst/>
+            <a:gdLst>
+              <a:gd name="connsiteX0" fmla="*/ 110516 w 889463"/>
+              <a:gd name="connsiteY0" fmla="*/ 95275 h 1017114"/>
+              <a:gd name="connsiteX1" fmla="*/ 230452 w 889463"/>
+              <a:gd name="connsiteY1" fmla="*/ 14411 h 1017114"/>
+              <a:gd name="connsiteX2" fmla="*/ 276877 w 889463"/>
+              <a:gd name="connsiteY2" fmla="*/ 0 h 1017114"/>
+              <a:gd name="connsiteX3" fmla="*/ 889463 w 889463"/>
+              <a:gd name="connsiteY3" fmla="*/ 612585 h 1017114"/>
+              <a:gd name="connsiteX4" fmla="*/ 484934 w 889463"/>
+              <a:gd name="connsiteY4" fmla="*/ 1017114 h 1017114"/>
+              <a:gd name="connsiteX5" fmla="*/ 377324 w 889463"/>
+              <a:gd name="connsiteY5" fmla="*/ 1017114 h 1017114"/>
+              <a:gd name="connsiteX6" fmla="*/ 0 w 889463"/>
+              <a:gd name="connsiteY6" fmla="*/ 639790 h 1017114"/>
+              <a:gd name="connsiteX7" fmla="*/ 0 w 889463"/>
+              <a:gd name="connsiteY7" fmla="*/ 362083 h 1017114"/>
+              <a:gd name="connsiteX8" fmla="*/ 110516 w 889463"/>
+              <a:gd name="connsiteY8" fmla="*/ 95275 h 1017114"/>
+            </a:gdLst>
+            <a:ahLst/>
+            <a:cxnLst>
+              <a:cxn ang="0">
+                <a:pos x="connsiteX0" y="connsiteY0"/>
+              </a:cxn>
+              <a:cxn ang="0">
+                <a:pos x="connsiteX1" y="connsiteY1"/>
+              </a:cxn>
+              <a:cxn ang="0">
+                <a:pos x="connsiteX2" y="connsiteY2"/>
+              </a:cxn>
+              <a:cxn ang="0">
+                <a:pos x="connsiteX3" y="connsiteY3"/>
+              </a:cxn>
+              <a:cxn ang="0">
+                <a:pos x="connsiteX4" y="connsiteY4"/>
+              </a:cxn>
+              <a:cxn ang="0">
+                <a:pos x="connsiteX5" y="connsiteY5"/>
+              </a:cxn>
+              <a:cxn ang="0">
+                <a:pos x="connsiteX6" y="connsiteY6"/>
+              </a:cxn>
+              <a:cxn ang="0">
+                <a:pos x="connsiteX7" y="connsiteY7"/>
+              </a:cxn>
+              <a:cxn ang="0">
+                <a:pos x="connsiteX8" y="connsiteY8"/>
+              </a:cxn>
+            </a:cxnLst>
+            <a:rect l="l" t="t" r="r" b="b"/>
+            <a:pathLst>
+              <a:path w="889463" h="1017114">
+                <a:moveTo>
+                  <a:pt x="110516" y="95275"/>
+                </a:moveTo>
+                <a:cubicBezTo>
+                  <a:pt x="144657" y="61133"/>
+                  <a:pt x="185310" y="33504"/>
+                  <a:pt x="230452" y="14411"/>
+                </a:cubicBezTo>
+                <a:lnTo>
+                  <a:pt x="276877" y="0"/>
+                </a:lnTo>
+                <a:lnTo>
+                  <a:pt x="889463" y="612585"/>
+                </a:lnTo>
+                <a:lnTo>
+                  <a:pt x="484934" y="1017114"/>
+                </a:lnTo>
+                <a:lnTo>
+                  <a:pt x="377324" y="1017114"/>
+                </a:lnTo>
+                <a:cubicBezTo>
+                  <a:pt x="168934" y="1017114"/>
+                  <a:pt x="0" y="848180"/>
+                  <a:pt x="0" y="639790"/>
+                </a:cubicBezTo>
+                <a:lnTo>
+                  <a:pt x="0" y="362083"/>
+                </a:lnTo>
+                <a:cubicBezTo>
+                  <a:pt x="0" y="257888"/>
+                  <a:pt x="42234" y="163556"/>
+                  <a:pt x="110516" y="95275"/>
+                </a:cubicBezTo>
+                <a:close/>
+              </a:path>
+            </a:pathLst>
+          </a:custGeom>
+          <a:solidFill>
+            <a:schemeClr val="tx1">
+              <a:lumMod val="50%"/>
+              <a:lumOff val="50%"/>
+            </a:schemeClr>
+          </a:solidFill>
+          <a:ln>
+            <a:noFill/>
+          </a:ln>
+        </p:spPr>
+        <p:style>
+          <a:lnRef idx="2">
+            <a:schemeClr val="accent1">
+              <a:shade val="50%"/>
+            </a:schemeClr>
+          </a:lnRef>
+          <a:fillRef idx="1">
+            <a:schemeClr val="accent1"/>
+          </a:fillRef>
+          <a:effectRef idx="0">
+            <a:schemeClr val="accent1"/>
+          </a:effectRef>
+          <a:fontRef idx="minor">
+            <a:schemeClr val="lt1"/>
+          </a:fontRef>
+        </p:style>
+        <p:txBody>
+          <a:bodyPr wrap="square" rtlCol="0" anchor="ctr">
+            <a:noAutofit/>
+          </a:bodyPr>
+          <a:lstStyle/>
+          <a:p>
+            <a:pPr algn="ctr" rtl="0"/>
+            <a:endParaRPr lang="it-IT" dirty="0">
+              <a:solidFill>
+                <a:srgbClr val="98A3AD"/>
+              </a:solidFill>
+            </a:endParaRPr>
+          </a:p>
+        </p:txBody>
+      </p:sp>
+      <p:sp>
+        <p:nvSpPr>
+          <p:cNvPr id="33" name="Casella di testo 32">
+            <a:extLst>
+              <a:ext uri="{FF2B5EF4-FFF2-40B4-BE49-F238E27FC236}">
+                <a16:creationId xmlns:a16="http://schemas.microsoft.com/office/drawing/2014/main" id="{5C7F3CEE-E6DF-48C0-8B9A-22A03DF4C29B}"/>
+              </a:ext>
+            </a:extLst>
+          </p:cNvPr>
+          <p:cNvSpPr txBox="1"/>
+          <p:nvPr/>
+        </p:nvSpPr>
+        <p:spPr>
+          <a:xfrm>
+            <a:off x="11907454" y="6481180"/>
+            <a:ext cx="274434" cy="307777"/>
+          </a:xfrm>
+          <a:prstGeom prst="rect">
+            <a:avLst/>
+          </a:prstGeom>
+          <a:noFill/>
+        </p:spPr>
+        <p:txBody>
+          <a:bodyPr wrap="none" rtlCol="0">
+            <a:spAutoFit/>
+          </a:bodyPr>
+          <a:lstStyle/>
+          <a:p>
+            <a:pPr rtl="0"/>
+            <a:r>
+              <a:rPr lang="it-IT" sz="1400" b="1" dirty="0">
+                <a:solidFill>
+                  <a:schemeClr val="bg1"/>
+                </a:solidFill>
+              </a:rPr>
+              <a:t>7</a:t>
+            </a:r>
+          </a:p>
+        </p:txBody>
+      </p:sp>
+      <p:sp>
+        <p:nvSpPr>
+          <p:cNvPr id="2" name="Titolo 1" hidden="1">
+            <a:extLst>
+              <a:ext uri="{FF2B5EF4-FFF2-40B4-BE49-F238E27FC236}">
+                <a16:creationId xmlns:a16="http://schemas.microsoft.com/office/drawing/2014/main" id="{57154957-68AB-414D-8F5B-A49D3A2612B1}"/>
+              </a:ext>
+            </a:extLst>
+          </p:cNvPr>
+          <p:cNvSpPr>
+            <a:spLocks noGrp="1"/>
+          </p:cNvSpPr>
+          <p:nvPr>
+            <p:ph type="title"/>
+          </p:nvPr>
+        </p:nvSpPr>
+        <p:spPr/>
+        <p:txBody>
+          <a:bodyPr rtlCol="0"/>
+          <a:lstStyle/>
+          <a:p>
+            <a:pPr rtl="0"/>
+            <a:r>
+              <a:rPr lang="it-IT" dirty="0"/>
+              <a:t>Diapositiva 2</a:t>
+            </a:r>
+          </a:p>
+        </p:txBody>
+      </p:sp>
+      <p:sp>
+        <p:nvSpPr>
+          <p:cNvPr id="3" name="CasellaDiTesto 2">
+            <a:extLst>
+              <a:ext uri="{FF2B5EF4-FFF2-40B4-BE49-F238E27FC236}">
+                <a16:creationId xmlns:a16="http://schemas.microsoft.com/office/drawing/2014/main" id="{45F6423D-7AAE-41C5-8F7F-B032D887F9AC}"/>
+              </a:ext>
+            </a:extLst>
+          </p:cNvPr>
+          <p:cNvSpPr txBox="1"/>
+          <p:nvPr/>
+        </p:nvSpPr>
+        <p:spPr>
+          <a:xfrm>
+            <a:off x="2976977" y="5503099"/>
+            <a:ext cx="6238043" cy="369332"/>
+          </a:xfrm>
+          <a:prstGeom prst="rect">
+            <a:avLst/>
+          </a:prstGeom>
+          <a:noFill/>
+        </p:spPr>
+        <p:txBody>
+          <a:bodyPr wrap="square" rtlCol="0">
+            <a:spAutoFit/>
+          </a:bodyPr>
+          <a:lstStyle/>
+          <a:p>
+            <a:pPr fontAlgn="base"/>
+            <a:r>
+              <a:rPr lang="it-IT" dirty="0">
+                <a:latin typeface="Arial" panose="020B0604020202020204" pitchFamily="34" charset="0"/>
+                <a:cs typeface="Arial" panose="020B0604020202020204" pitchFamily="34" charset="0"/>
+              </a:rPr>
+              <a:t>C</a:t>
+            </a:r>
+            <a:r>
+              <a:rPr lang="it-IT" b="0" dirty="0">
+                <a:effectLst/>
+                <a:latin typeface="Arial" panose="020B0604020202020204" pitchFamily="34" charset="0"/>
+                <a:cs typeface="Arial" panose="020B0604020202020204" pitchFamily="34" charset="0"/>
+              </a:rPr>
+              <a:t>oefficiente di correlazione lineare: 0.282</a:t>
+            </a:r>
+          </a:p>
+        </p:txBody>
+      </p:sp>
+      <p:pic>
+        <p:nvPicPr>
+          <p:cNvPr id="3074" name="Picture 2">
+            <a:extLst>
+              <a:ext uri="{FF2B5EF4-FFF2-40B4-BE49-F238E27FC236}">
+                <a16:creationId xmlns:a16="http://schemas.microsoft.com/office/drawing/2014/main" id="{3283C627-4701-4F0E-938C-7EE28CB2C965}"/>
+              </a:ext>
+            </a:extLst>
+          </p:cNvPr>
+          <p:cNvPicPr>
+            <a:picLocks noChangeAspect="1" noChangeArrowheads="1"/>
+          </p:cNvPicPr>
+          <p:nvPr/>
+        </p:nvPicPr>
+        <p:blipFill rotWithShape="1">
+          <a:blip r:embed="rId3">
+            <a:extLst>
+              <a:ext uri="{28A0092B-C50C-407E-A947-70E740481C1C}">
+                <a14:useLocalDpi xmlns:a14="http://schemas.microsoft.com/office/drawing/2010/main" val="0"/>
+              </a:ext>
+            </a:extLst>
+          </a:blip>
+          <a:srcRect t="16.836%"/>
+          <a:stretch/>
+        </p:blipFill>
+        <p:spPr bwMode="auto">
+          <a:xfrm>
+            <a:off x="2063725" y="1273252"/>
+            <a:ext cx="8064550" cy="4311496"/>
+          </a:xfrm>
+          <a:prstGeom prst="rect">
+            <a:avLst/>
+          </a:prstGeom>
+          <a:noFill/>
+          <a:extLst>
+            <a:ext uri="{909E8E84-426E-40DD-AFC4-6F175D3DCCD1}">
+              <a14:hiddenFill xmlns:a14="http://schemas.microsoft.com/office/drawing/2010/main">
+                <a:solidFill>
+                  <a:srgbClr val="FFFFFF"/>
+                </a:solidFill>
+              </a14:hiddenFill>
+            </a:ext>
+          </a:extLst>
+        </p:spPr>
+      </p:pic>
+    </p:spTree>
+    <p:extLst>
+      <p:ext uri="{BB962C8B-B14F-4D97-AF65-F5344CB8AC3E}">
+        <p14:creationId xmlns:p14="http://schemas.microsoft.com/office/powerpoint/2010/main" val="2506114468"/>
       </p:ext>
     </p:extLst>
   </p:cSld>
